--- a/doc/final.pptx
+++ b/doc/final.pptx
@@ -13,7 +13,8 @@
     <p:sldId id="264" r:id="rId7"/>
     <p:sldId id="265" r:id="rId8"/>
     <p:sldId id="266" r:id="rId9"/>
-    <p:sldId id="257" r:id="rId10"/>
+    <p:sldId id="267" r:id="rId10"/>
+    <p:sldId id="257" r:id="rId11"/>
   </p:sldIdLst>
   <p:sldSz cx="12192000" cy="6858000"/>
   <p:notesSz cx="6858000" cy="9144000"/>
@@ -4877,7 +4878,7 @@
           <a:p>
             <a:fld id="{2B23621A-2FE9-43C6-8AC7-55ED850B073F}" type="datetimeFigureOut">
               <a:rPr lang="he-IL" smtClean="0"/>
-              <a:t>י"ח/תשרי/תשפ"א</a:t>
+              <a:t>י"ט/תשרי/תשפ"א</a:t>
             </a:fld>
             <a:endParaRPr lang="he-IL"/>
           </a:p>
@@ -5075,7 +5076,7 @@
           <a:p>
             <a:fld id="{2B23621A-2FE9-43C6-8AC7-55ED850B073F}" type="datetimeFigureOut">
               <a:rPr lang="he-IL" smtClean="0"/>
-              <a:t>י"ח/תשרי/תשפ"א</a:t>
+              <a:t>י"ט/תשרי/תשפ"א</a:t>
             </a:fld>
             <a:endParaRPr lang="he-IL"/>
           </a:p>
@@ -5283,7 +5284,7 @@
           <a:p>
             <a:fld id="{2B23621A-2FE9-43C6-8AC7-55ED850B073F}" type="datetimeFigureOut">
               <a:rPr lang="he-IL" smtClean="0"/>
-              <a:t>י"ח/תשרי/תשפ"א</a:t>
+              <a:t>י"ט/תשרי/תשפ"א</a:t>
             </a:fld>
             <a:endParaRPr lang="he-IL"/>
           </a:p>
@@ -5481,7 +5482,7 @@
           <a:p>
             <a:fld id="{2B23621A-2FE9-43C6-8AC7-55ED850B073F}" type="datetimeFigureOut">
               <a:rPr lang="he-IL" smtClean="0"/>
-              <a:t>י"ח/תשרי/תשפ"א</a:t>
+              <a:t>י"ט/תשרי/תשפ"א</a:t>
             </a:fld>
             <a:endParaRPr lang="he-IL"/>
           </a:p>
@@ -5756,7 +5757,7 @@
           <a:p>
             <a:fld id="{2B23621A-2FE9-43C6-8AC7-55ED850B073F}" type="datetimeFigureOut">
               <a:rPr lang="he-IL" smtClean="0"/>
-              <a:t>י"ח/תשרי/תשפ"א</a:t>
+              <a:t>י"ט/תשרי/תשפ"א</a:t>
             </a:fld>
             <a:endParaRPr lang="he-IL"/>
           </a:p>
@@ -6021,7 +6022,7 @@
           <a:p>
             <a:fld id="{2B23621A-2FE9-43C6-8AC7-55ED850B073F}" type="datetimeFigureOut">
               <a:rPr lang="he-IL" smtClean="0"/>
-              <a:t>י"ח/תשרי/תשפ"א</a:t>
+              <a:t>י"ט/תשרי/תשפ"א</a:t>
             </a:fld>
             <a:endParaRPr lang="he-IL"/>
           </a:p>
@@ -6433,7 +6434,7 @@
           <a:p>
             <a:fld id="{2B23621A-2FE9-43C6-8AC7-55ED850B073F}" type="datetimeFigureOut">
               <a:rPr lang="he-IL" smtClean="0"/>
-              <a:t>י"ח/תשרי/תשפ"א</a:t>
+              <a:t>י"ט/תשרי/תשפ"א</a:t>
             </a:fld>
             <a:endParaRPr lang="he-IL"/>
           </a:p>
@@ -6574,7 +6575,7 @@
           <a:p>
             <a:fld id="{2B23621A-2FE9-43C6-8AC7-55ED850B073F}" type="datetimeFigureOut">
               <a:rPr lang="he-IL" smtClean="0"/>
-              <a:t>י"ח/תשרי/תשפ"א</a:t>
+              <a:t>י"ט/תשרי/תשפ"א</a:t>
             </a:fld>
             <a:endParaRPr lang="he-IL"/>
           </a:p>
@@ -6687,7 +6688,7 @@
           <a:p>
             <a:fld id="{2B23621A-2FE9-43C6-8AC7-55ED850B073F}" type="datetimeFigureOut">
               <a:rPr lang="he-IL" smtClean="0"/>
-              <a:t>י"ח/תשרי/תשפ"א</a:t>
+              <a:t>י"ט/תשרי/תשפ"א</a:t>
             </a:fld>
             <a:endParaRPr lang="he-IL"/>
           </a:p>
@@ -6998,7 +6999,7 @@
           <a:p>
             <a:fld id="{2B23621A-2FE9-43C6-8AC7-55ED850B073F}" type="datetimeFigureOut">
               <a:rPr lang="he-IL" smtClean="0"/>
-              <a:t>י"ח/תשרי/תשפ"א</a:t>
+              <a:t>י"ט/תשרי/תשפ"א</a:t>
             </a:fld>
             <a:endParaRPr lang="he-IL"/>
           </a:p>
@@ -7286,7 +7287,7 @@
           <a:p>
             <a:fld id="{2B23621A-2FE9-43C6-8AC7-55ED850B073F}" type="datetimeFigureOut">
               <a:rPr lang="he-IL" smtClean="0"/>
-              <a:t>י"ח/תשרי/תשפ"א</a:t>
+              <a:t>י"ט/תשרי/תשפ"א</a:t>
             </a:fld>
             <a:endParaRPr lang="he-IL"/>
           </a:p>
@@ -7527,7 +7528,7 @@
           <a:p>
             <a:fld id="{2B23621A-2FE9-43C6-8AC7-55ED850B073F}" type="datetimeFigureOut">
               <a:rPr lang="he-IL" smtClean="0"/>
-              <a:t>י"ח/תשרי/תשפ"א</a:t>
+              <a:t>י"ט/תשרי/תשפ"א</a:t>
             </a:fld>
             <a:endParaRPr lang="he-IL"/>
           </a:p>
@@ -8193,1538 +8194,7 @@
 </p:sld>
 </file>
 
-<file path=ppt/slides/slide2.xml><?xml version="1.0" encoding="utf-8"?>
-<p:sld xmlns:a="http://schemas.openxmlformats.org/drawingml/2006/main" xmlns:r="http://schemas.openxmlformats.org/officeDocument/2006/relationships" xmlns:p="http://schemas.openxmlformats.org/presentationml/2006/main">
-  <p:cSld>
-    <p:spTree>
-      <p:nvGrpSpPr>
-        <p:cNvPr id="1" name=""/>
-        <p:cNvGrpSpPr/>
-        <p:nvPr/>
-      </p:nvGrpSpPr>
-      <p:grpSpPr>
-        <a:xfrm>
-          <a:off x="0" y="0"/>
-          <a:ext cx="0" cy="0"/>
-          <a:chOff x="0" y="0"/>
-          <a:chExt cx="0" cy="0"/>
-        </a:xfrm>
-      </p:grpSpPr>
-      <p:sp>
-        <p:nvSpPr>
-          <p:cNvPr id="2" name="כותרת 1">
-            <a:extLst>
-              <a:ext uri="{FF2B5EF4-FFF2-40B4-BE49-F238E27FC236}">
-                <a16:creationId xmlns:a16="http://schemas.microsoft.com/office/drawing/2014/main" id="{47FB5454-8EC3-4987-8D56-C6CEE56AEC30}"/>
-              </a:ext>
-            </a:extLst>
-          </p:cNvPr>
-          <p:cNvSpPr>
-            <a:spLocks noGrp="1"/>
-          </p:cNvSpPr>
-          <p:nvPr>
-            <p:ph type="title"/>
-          </p:nvPr>
-        </p:nvSpPr>
-        <p:spPr/>
-        <p:txBody>
-          <a:bodyPr/>
-          <a:lstStyle/>
-          <a:p>
-            <a:pPr algn="ctr" rtl="0"/>
-            <a:r>
-              <a:rPr lang="en-US" dirty="0">
-                <a:solidFill>
-                  <a:srgbClr val="000000"/>
-                </a:solidFill>
-              </a:rPr>
-              <a:t>Project Goals</a:t>
-            </a:r>
-          </a:p>
-        </p:txBody>
-      </p:sp>
-      <p:sp>
-        <p:nvSpPr>
-          <p:cNvPr id="3" name="מציין מיקום תוכן 2">
-            <a:extLst>
-              <a:ext uri="{FF2B5EF4-FFF2-40B4-BE49-F238E27FC236}">
-                <a16:creationId xmlns:a16="http://schemas.microsoft.com/office/drawing/2014/main" id="{621CF8A0-6E19-40AD-867B-78A76E0943C3}"/>
-              </a:ext>
-            </a:extLst>
-          </p:cNvPr>
-          <p:cNvSpPr>
-            <a:spLocks noGrp="1"/>
-          </p:cNvSpPr>
-          <p:nvPr>
-            <p:ph idx="1"/>
-          </p:nvPr>
-        </p:nvSpPr>
-        <p:spPr>
-          <a:xfrm>
-            <a:off x="838200" y="1828801"/>
-            <a:ext cx="6818745" cy="4348162"/>
-          </a:xfrm>
-        </p:spPr>
-        <p:txBody>
-          <a:bodyPr/>
-          <a:lstStyle/>
-          <a:p>
-            <a:pPr algn="l" rtl="0"/>
-            <a:r>
-              <a:rPr lang="en-US" dirty="0">
-                <a:solidFill>
-                  <a:srgbClr val="000000"/>
-                </a:solidFill>
-              </a:rPr>
-              <a:t>The project’s goal is to learn how to use Erlang programming language to maintain a system which is distributed and parallel</a:t>
-            </a:r>
-          </a:p>
-          <a:p>
-            <a:pPr marL="0" indent="0" algn="l" rtl="0">
-              <a:buNone/>
-            </a:pPr>
-            <a:endParaRPr lang="en-US" dirty="0">
-              <a:solidFill>
-                <a:srgbClr val="000000"/>
-              </a:solidFill>
-            </a:endParaRPr>
-          </a:p>
-          <a:p>
-            <a:pPr algn="l" rtl="0"/>
-            <a:r>
-              <a:rPr lang="en-US" dirty="0">
-                <a:solidFill>
-                  <a:srgbClr val="000000"/>
-                </a:solidFill>
-              </a:rPr>
-              <a:t>In addition, the goal is to get familiar with Map-Reduce algorithm and implement it in the system.</a:t>
-            </a:r>
-          </a:p>
-          <a:p>
-            <a:pPr marL="0" indent="0">
-              <a:buNone/>
-            </a:pPr>
-            <a:endParaRPr lang="en-US" dirty="0">
-              <a:solidFill>
-                <a:srgbClr val="000000"/>
-              </a:solidFill>
-            </a:endParaRPr>
-          </a:p>
-        </p:txBody>
-      </p:sp>
-      <p:pic>
-        <p:nvPicPr>
-          <p:cNvPr id="5" name="תמונה 4">
-            <a:extLst>
-              <a:ext uri="{FF2B5EF4-FFF2-40B4-BE49-F238E27FC236}">
-                <a16:creationId xmlns:a16="http://schemas.microsoft.com/office/drawing/2014/main" id="{34C7E5F5-41D0-4579-A459-46007B0968EE}"/>
-              </a:ext>
-            </a:extLst>
-          </p:cNvPr>
-          <p:cNvPicPr>
-            <a:picLocks noChangeAspect="1"/>
-          </p:cNvPicPr>
-          <p:nvPr/>
-        </p:nvPicPr>
-        <p:blipFill>
-          <a:blip r:embed="rId2">
-            <a:extLst>
-              <a:ext uri="{28A0092B-C50C-407E-A947-70E740481C1C}">
-                <a14:useLocalDpi xmlns:a14="http://schemas.microsoft.com/office/drawing/2010/main" val="0"/>
-              </a:ext>
-            </a:extLst>
-          </a:blip>
-          <a:stretch>
-            <a:fillRect/>
-          </a:stretch>
-        </p:blipFill>
-        <p:spPr>
-          <a:xfrm>
-            <a:off x="8424838" y="1547526"/>
-            <a:ext cx="3132156" cy="4698235"/>
-          </a:xfrm>
-          <a:prstGeom prst="snip2DiagRect">
-            <a:avLst/>
-          </a:prstGeom>
-          <a:solidFill>
-            <a:srgbClr val="FFFFFF">
-              <a:shade val="85000"/>
-            </a:srgbClr>
-          </a:solidFill>
-          <a:ln w="88900" cap="sq">
-            <a:solidFill>
-              <a:schemeClr val="tx2"/>
-            </a:solidFill>
-            <a:miter lim="800000"/>
-          </a:ln>
-          <a:effectLst>
-            <a:outerShdw blurRad="88900" algn="tl" rotWithShape="0">
-              <a:srgbClr val="000000">
-                <a:alpha val="45000"/>
-              </a:srgbClr>
-            </a:outerShdw>
-          </a:effectLst>
-          <a:scene3d>
-            <a:camera prst="orthographicFront"/>
-            <a:lightRig rig="twoPt" dir="t">
-              <a:rot lat="0" lon="0" rev="7200000"/>
-            </a:lightRig>
-          </a:scene3d>
-          <a:sp3d>
-            <a:bevelT w="25400" h="19050"/>
-            <a:contourClr>
-              <a:srgbClr val="FFFFFF"/>
-            </a:contourClr>
-          </a:sp3d>
-        </p:spPr>
-      </p:pic>
-    </p:spTree>
-    <p:extLst>
-      <p:ext uri="{BB962C8B-B14F-4D97-AF65-F5344CB8AC3E}">
-        <p14:creationId xmlns:p14="http://schemas.microsoft.com/office/powerpoint/2010/main" val="2700129287"/>
-      </p:ext>
-    </p:extLst>
-  </p:cSld>
-  <p:clrMapOvr>
-    <a:masterClrMapping/>
-  </p:clrMapOvr>
-</p:sld>
-</file>
-
-<file path=ppt/slides/slide3.xml><?xml version="1.0" encoding="utf-8"?>
-<p:sld xmlns:a="http://schemas.openxmlformats.org/drawingml/2006/main" xmlns:r="http://schemas.openxmlformats.org/officeDocument/2006/relationships" xmlns:p="http://schemas.openxmlformats.org/presentationml/2006/main">
-  <p:cSld>
-    <p:spTree>
-      <p:nvGrpSpPr>
-        <p:cNvPr id="1" name=""/>
-        <p:cNvGrpSpPr/>
-        <p:nvPr/>
-      </p:nvGrpSpPr>
-      <p:grpSpPr>
-        <a:xfrm>
-          <a:off x="0" y="0"/>
-          <a:ext cx="0" cy="0"/>
-          <a:chOff x="0" y="0"/>
-          <a:chExt cx="0" cy="0"/>
-        </a:xfrm>
-      </p:grpSpPr>
-      <p:sp>
-        <p:nvSpPr>
-          <p:cNvPr id="2" name="כותרת 1">
-            <a:extLst>
-              <a:ext uri="{FF2B5EF4-FFF2-40B4-BE49-F238E27FC236}">
-                <a16:creationId xmlns:a16="http://schemas.microsoft.com/office/drawing/2014/main" id="{47FB5454-8EC3-4987-8D56-C6CEE56AEC30}"/>
-              </a:ext>
-            </a:extLst>
-          </p:cNvPr>
-          <p:cNvSpPr>
-            <a:spLocks noGrp="1"/>
-          </p:cNvSpPr>
-          <p:nvPr>
-            <p:ph type="title"/>
-          </p:nvPr>
-        </p:nvSpPr>
-        <p:spPr/>
-        <p:txBody>
-          <a:bodyPr/>
-          <a:lstStyle/>
-          <a:p>
-            <a:pPr algn="ctr" rtl="0"/>
-            <a:r>
-              <a:rPr lang="en-US" dirty="0">
-                <a:solidFill>
-                  <a:srgbClr val="000000"/>
-                </a:solidFill>
-              </a:rPr>
-              <a:t>Problem Definition</a:t>
-            </a:r>
-          </a:p>
-        </p:txBody>
-      </p:sp>
-      <p:sp>
-        <p:nvSpPr>
-          <p:cNvPr id="3" name="מציין מיקום תוכן 2">
-            <a:extLst>
-              <a:ext uri="{FF2B5EF4-FFF2-40B4-BE49-F238E27FC236}">
-                <a16:creationId xmlns:a16="http://schemas.microsoft.com/office/drawing/2014/main" id="{621CF8A0-6E19-40AD-867B-78A76E0943C3}"/>
-              </a:ext>
-            </a:extLst>
-          </p:cNvPr>
-          <p:cNvSpPr>
-            <a:spLocks noGrp="1"/>
-          </p:cNvSpPr>
-          <p:nvPr>
-            <p:ph idx="1"/>
-          </p:nvPr>
-        </p:nvSpPr>
-        <p:spPr>
-          <a:xfrm>
-            <a:off x="956345" y="1825625"/>
-            <a:ext cx="10397455" cy="4351338"/>
-          </a:xfrm>
-        </p:spPr>
-        <p:txBody>
-          <a:bodyPr>
-            <a:normAutofit/>
-          </a:bodyPr>
-          <a:lstStyle/>
-          <a:p>
-            <a:pPr algn="l" rtl="0"/>
-            <a:r>
-              <a:rPr lang="en-US" dirty="0">
-                <a:solidFill>
-                  <a:srgbClr val="000000"/>
-                </a:solidFill>
-              </a:rPr>
-              <a:t>How to design a multi-client multi-server system?</a:t>
-            </a:r>
-          </a:p>
-          <a:p>
-            <a:pPr algn="l" rtl="0"/>
-            <a:endParaRPr lang="en-US" dirty="0">
-              <a:solidFill>
-                <a:srgbClr val="000000"/>
-              </a:solidFill>
-            </a:endParaRPr>
-          </a:p>
-          <a:p>
-            <a:pPr algn="l" rtl="0"/>
-            <a:r>
-              <a:rPr lang="en-US" dirty="0">
-                <a:solidFill>
-                  <a:srgbClr val="000000"/>
-                </a:solidFill>
-              </a:rPr>
-              <a:t>What are the components of the system?</a:t>
-            </a:r>
-          </a:p>
-          <a:p>
-            <a:pPr algn="l" rtl="0"/>
-            <a:endParaRPr lang="en-US" dirty="0">
-              <a:solidFill>
-                <a:srgbClr val="000000"/>
-              </a:solidFill>
-            </a:endParaRPr>
-          </a:p>
-          <a:p>
-            <a:pPr algn="l" rtl="0"/>
-            <a:r>
-              <a:rPr lang="en-US" dirty="0">
-                <a:solidFill>
-                  <a:srgbClr val="000000"/>
-                </a:solidFill>
-              </a:rPr>
-              <a:t>How the communication between each one should be down?</a:t>
-            </a:r>
-          </a:p>
-          <a:p>
-            <a:pPr algn="l" rtl="0"/>
-            <a:endParaRPr lang="en-US" dirty="0">
-              <a:solidFill>
-                <a:srgbClr val="000000"/>
-              </a:solidFill>
-            </a:endParaRPr>
-          </a:p>
-          <a:p>
-            <a:pPr algn="l" rtl="0"/>
-            <a:r>
-              <a:rPr lang="en-US" dirty="0">
-                <a:solidFill>
-                  <a:srgbClr val="000000"/>
-                </a:solidFill>
-              </a:rPr>
-              <a:t>How to distribute data between nodes, and what kind of information should be transferred?</a:t>
-            </a:r>
-          </a:p>
-          <a:p>
-            <a:pPr marL="0" indent="0">
-              <a:buNone/>
-            </a:pPr>
-            <a:endParaRPr lang="en-US" dirty="0">
-              <a:solidFill>
-                <a:srgbClr val="000000"/>
-              </a:solidFill>
-            </a:endParaRPr>
-          </a:p>
-        </p:txBody>
-      </p:sp>
-    </p:spTree>
-    <p:extLst>
-      <p:ext uri="{BB962C8B-B14F-4D97-AF65-F5344CB8AC3E}">
-        <p14:creationId xmlns:p14="http://schemas.microsoft.com/office/powerpoint/2010/main" val="3106042516"/>
-      </p:ext>
-    </p:extLst>
-  </p:cSld>
-  <p:clrMapOvr>
-    <a:masterClrMapping/>
-  </p:clrMapOvr>
-</p:sld>
-</file>
-
-<file path=ppt/slides/slide4.xml><?xml version="1.0" encoding="utf-8"?>
-<p:sld xmlns:a="http://schemas.openxmlformats.org/drawingml/2006/main" xmlns:r="http://schemas.openxmlformats.org/officeDocument/2006/relationships" xmlns:p="http://schemas.openxmlformats.org/presentationml/2006/main">
-  <p:cSld>
-    <p:spTree>
-      <p:nvGrpSpPr>
-        <p:cNvPr id="1" name=""/>
-        <p:cNvGrpSpPr/>
-        <p:nvPr/>
-      </p:nvGrpSpPr>
-      <p:grpSpPr>
-        <a:xfrm>
-          <a:off x="0" y="0"/>
-          <a:ext cx="0" cy="0"/>
-          <a:chOff x="0" y="0"/>
-          <a:chExt cx="0" cy="0"/>
-        </a:xfrm>
-      </p:grpSpPr>
-      <p:sp>
-        <p:nvSpPr>
-          <p:cNvPr id="2" name="כותרת 1">
-            <a:extLst>
-              <a:ext uri="{FF2B5EF4-FFF2-40B4-BE49-F238E27FC236}">
-                <a16:creationId xmlns:a16="http://schemas.microsoft.com/office/drawing/2014/main" id="{D1585F14-A3A2-46ED-8E61-87731DAC7852}"/>
-              </a:ext>
-            </a:extLst>
-          </p:cNvPr>
-          <p:cNvSpPr>
-            <a:spLocks noGrp="1"/>
-          </p:cNvSpPr>
-          <p:nvPr>
-            <p:ph type="title"/>
-          </p:nvPr>
-        </p:nvSpPr>
-        <p:spPr/>
-        <p:txBody>
-          <a:bodyPr/>
-          <a:lstStyle/>
-          <a:p>
-            <a:pPr algn="ctr" rtl="0"/>
-            <a:r>
-              <a:rPr lang="en-US" dirty="0">
-                <a:solidFill>
-                  <a:srgbClr val="000000"/>
-                </a:solidFill>
-              </a:rPr>
-              <a:t>Project Definition</a:t>
-            </a:r>
-          </a:p>
-        </p:txBody>
-      </p:sp>
-      <p:sp>
-        <p:nvSpPr>
-          <p:cNvPr id="3" name="מציין מיקום תוכן 2">
-            <a:extLst>
-              <a:ext uri="{FF2B5EF4-FFF2-40B4-BE49-F238E27FC236}">
-                <a16:creationId xmlns:a16="http://schemas.microsoft.com/office/drawing/2014/main" id="{9B4B196D-B165-4358-BD95-5DDD498D522D}"/>
-              </a:ext>
-            </a:extLst>
-          </p:cNvPr>
-          <p:cNvSpPr>
-            <a:spLocks noGrp="1"/>
-          </p:cNvSpPr>
-          <p:nvPr>
-            <p:ph idx="1"/>
-          </p:nvPr>
-        </p:nvSpPr>
-        <p:spPr>
-          <a:xfrm>
-            <a:off x="838200" y="1825624"/>
-            <a:ext cx="7289800" cy="4384675"/>
-          </a:xfrm>
-        </p:spPr>
-        <p:txBody>
-          <a:bodyPr/>
-          <a:lstStyle/>
-          <a:p>
-            <a:pPr algn="l" rtl="0">
-              <a:buFont typeface="Wingdings" panose="05000000000000000000" pitchFamily="2" charset="2"/>
-              <a:buChar char="Ø"/>
-            </a:pPr>
-            <a:r>
-              <a:rPr lang="en-US" dirty="0">
-                <a:solidFill>
-                  <a:srgbClr val="000000"/>
-                </a:solidFill>
-              </a:rPr>
-              <a:t>With IMDb movie records, we created a query-system to achieve relevant information from.</a:t>
-            </a:r>
-          </a:p>
-          <a:p>
-            <a:pPr algn="l" rtl="0">
-              <a:buFont typeface="Wingdings" panose="05000000000000000000" pitchFamily="2" charset="2"/>
-              <a:buChar char="Ø"/>
-            </a:pPr>
-            <a:r>
-              <a:rPr lang="en-US" dirty="0">
-                <a:solidFill>
-                  <a:srgbClr val="000000"/>
-                </a:solidFill>
-              </a:rPr>
-              <a:t>The system is using multiple-clients which sends a query to the master. </a:t>
-            </a:r>
-          </a:p>
-          <a:p>
-            <a:pPr algn="l" rtl="0">
-              <a:buFont typeface="Wingdings" panose="05000000000000000000" pitchFamily="2" charset="2"/>
-              <a:buChar char="Ø"/>
-            </a:pPr>
-            <a:r>
-              <a:rPr lang="en-US" dirty="0">
-                <a:solidFill>
-                  <a:srgbClr val="000000"/>
-                </a:solidFill>
-              </a:rPr>
-              <a:t>The master will distribute the movie records across all the servers connected to the net, and send queries to each one of them.</a:t>
-            </a:r>
-          </a:p>
-          <a:p>
-            <a:pPr algn="l" rtl="0">
-              <a:buFont typeface="Wingdings" panose="05000000000000000000" pitchFamily="2" charset="2"/>
-              <a:buChar char="Ø"/>
-            </a:pPr>
-            <a:r>
-              <a:rPr lang="en-US" dirty="0">
-                <a:solidFill>
-                  <a:srgbClr val="000000"/>
-                </a:solidFill>
-              </a:rPr>
-              <a:t>The query will return to the client and will be represented with additional statistics. </a:t>
-            </a:r>
-          </a:p>
-        </p:txBody>
-      </p:sp>
-      <p:pic>
-        <p:nvPicPr>
-          <p:cNvPr id="4" name="Picture 2" descr="undefined">
-            <a:extLst>
-              <a:ext uri="{FF2B5EF4-FFF2-40B4-BE49-F238E27FC236}">
-                <a16:creationId xmlns:a16="http://schemas.microsoft.com/office/drawing/2014/main" id="{39D38397-F01C-4EA8-8F42-2BA4D6B96B9D}"/>
-              </a:ext>
-            </a:extLst>
-          </p:cNvPr>
-          <p:cNvPicPr>
-            <a:picLocks noChangeAspect="1" noChangeArrowheads="1"/>
-          </p:cNvPicPr>
-          <p:nvPr/>
-        </p:nvPicPr>
-        <p:blipFill>
-          <a:blip r:embed="rId2">
-            <a:extLst>
-              <a:ext uri="{28A0092B-C50C-407E-A947-70E740481C1C}">
-                <a14:useLocalDpi xmlns:a14="http://schemas.microsoft.com/office/drawing/2010/main" val="0"/>
-              </a:ext>
-            </a:extLst>
-          </a:blip>
-          <a:srcRect/>
-          <a:stretch>
-            <a:fillRect/>
-          </a:stretch>
-        </p:blipFill>
-        <p:spPr bwMode="auto">
-          <a:xfrm>
-            <a:off x="8401050" y="1557338"/>
-            <a:ext cx="3146425" cy="4719637"/>
-          </a:xfrm>
-          <a:prstGeom prst="snip2DiagRect">
-            <a:avLst/>
-          </a:prstGeom>
-          <a:solidFill>
-            <a:srgbClr val="FFFFFF">
-              <a:shade val="85000"/>
-            </a:srgbClr>
-          </a:solidFill>
-          <a:ln w="88900" cap="sq">
-            <a:solidFill>
-              <a:schemeClr val="tx2"/>
-            </a:solidFill>
-            <a:miter lim="800000"/>
-          </a:ln>
-          <a:effectLst>
-            <a:outerShdw blurRad="88900" algn="tl" rotWithShape="0">
-              <a:srgbClr val="000000">
-                <a:alpha val="45000"/>
-              </a:srgbClr>
-            </a:outerShdw>
-          </a:effectLst>
-          <a:scene3d>
-            <a:camera prst="orthographicFront"/>
-            <a:lightRig rig="twoPt" dir="t">
-              <a:rot lat="0" lon="0" rev="7200000"/>
-            </a:lightRig>
-          </a:scene3d>
-          <a:sp3d>
-            <a:bevelT w="25400" h="19050"/>
-            <a:contourClr>
-              <a:srgbClr val="FFFFFF"/>
-            </a:contourClr>
-          </a:sp3d>
-        </p:spPr>
-      </p:pic>
-    </p:spTree>
-    <p:extLst>
-      <p:ext uri="{BB962C8B-B14F-4D97-AF65-F5344CB8AC3E}">
-        <p14:creationId xmlns:p14="http://schemas.microsoft.com/office/powerpoint/2010/main" val="3318294014"/>
-      </p:ext>
-    </p:extLst>
-  </p:cSld>
-  <p:clrMapOvr>
-    <a:masterClrMapping/>
-  </p:clrMapOvr>
-</p:sld>
-</file>
-
-<file path=ppt/slides/slide5.xml><?xml version="1.0" encoding="utf-8"?>
-<p:sld xmlns:a="http://schemas.openxmlformats.org/drawingml/2006/main" xmlns:r="http://schemas.openxmlformats.org/officeDocument/2006/relationships" xmlns:p="http://schemas.openxmlformats.org/presentationml/2006/main">
-  <p:cSld>
-    <p:spTree>
-      <p:nvGrpSpPr>
-        <p:cNvPr id="1" name=""/>
-        <p:cNvGrpSpPr/>
-        <p:nvPr/>
-      </p:nvGrpSpPr>
-      <p:grpSpPr>
-        <a:xfrm>
-          <a:off x="0" y="0"/>
-          <a:ext cx="0" cy="0"/>
-          <a:chOff x="0" y="0"/>
-          <a:chExt cx="0" cy="0"/>
-        </a:xfrm>
-      </p:grpSpPr>
-      <p:graphicFrame>
-        <p:nvGraphicFramePr>
-          <p:cNvPr id="4" name="דיאגרמה 3">
-            <a:extLst>
-              <a:ext uri="{FF2B5EF4-FFF2-40B4-BE49-F238E27FC236}">
-                <a16:creationId xmlns:a16="http://schemas.microsoft.com/office/drawing/2014/main" id="{9C1EE55D-42F8-4452-B23D-313D62F6E02D}"/>
-              </a:ext>
-            </a:extLst>
-          </p:cNvPr>
-          <p:cNvGraphicFramePr/>
-          <p:nvPr>
-            <p:extLst>
-              <p:ext uri="{D42A27DB-BD31-4B8C-83A1-F6EECF244321}">
-                <p14:modId xmlns:p14="http://schemas.microsoft.com/office/powerpoint/2010/main" val="1220794907"/>
-              </p:ext>
-            </p:extLst>
-          </p:nvPr>
-        </p:nvGraphicFramePr>
-        <p:xfrm>
-          <a:off x="1434517" y="2919368"/>
-          <a:ext cx="10066789" cy="3699545"/>
-        </p:xfrm>
-        <a:graphic>
-          <a:graphicData uri="http://schemas.openxmlformats.org/drawingml/2006/diagram">
-            <dgm:relIds xmlns:dgm="http://schemas.openxmlformats.org/drawingml/2006/diagram" xmlns:r="http://schemas.openxmlformats.org/officeDocument/2006/relationships" r:dm="rId2" r:lo="rId3" r:qs="rId4" r:cs="rId5"/>
-          </a:graphicData>
-        </a:graphic>
-      </p:graphicFrame>
-      <p:sp>
-        <p:nvSpPr>
-          <p:cNvPr id="23" name="מלבן 22">
-            <a:extLst>
-              <a:ext uri="{FF2B5EF4-FFF2-40B4-BE49-F238E27FC236}">
-                <a16:creationId xmlns:a16="http://schemas.microsoft.com/office/drawing/2014/main" id="{3AB71817-CA97-4527-81E3-D77F4EEDFA63}"/>
-              </a:ext>
-            </a:extLst>
-          </p:cNvPr>
-          <p:cNvSpPr/>
-          <p:nvPr/>
-        </p:nvSpPr>
-        <p:spPr>
-          <a:xfrm>
-            <a:off x="5176818" y="437199"/>
-            <a:ext cx="2157963" cy="923330"/>
-          </a:xfrm>
-          <a:prstGeom prst="rect">
-            <a:avLst/>
-          </a:prstGeom>
-          <a:noFill/>
-        </p:spPr>
-        <p:txBody>
-          <a:bodyPr wrap="none" lIns="91440" tIns="45720" rIns="91440" bIns="45720">
-            <a:spAutoFit/>
-          </a:bodyPr>
-          <a:lstStyle/>
-          <a:p>
-            <a:pPr algn="ctr"/>
-            <a:r>
-              <a:rPr lang="en-US" sz="5400" dirty="0">
-                <a:ln w="0"/>
-                <a:solidFill>
-                  <a:schemeClr val="accent1"/>
-                </a:solidFill>
-                <a:effectLst>
-                  <a:outerShdw blurRad="38100" dist="25400" dir="5400000" algn="ctr" rotWithShape="0">
-                    <a:srgbClr val="6E747A">
-                      <a:alpha val="43000"/>
-                    </a:srgbClr>
-                  </a:outerShdw>
-                </a:effectLst>
-                <a:latin typeface="+mj-lt"/>
-              </a:rPr>
-              <a:t>Design</a:t>
-            </a:r>
-            <a:endParaRPr lang="he-IL" sz="5400" b="0" cap="none" spc="0" dirty="0">
-              <a:ln w="0"/>
-              <a:solidFill>
-                <a:schemeClr val="accent1"/>
-              </a:solidFill>
-              <a:effectLst>
-                <a:outerShdw blurRad="38100" dist="25400" dir="5400000" algn="ctr" rotWithShape="0">
-                  <a:srgbClr val="6E747A">
-                    <a:alpha val="43000"/>
-                  </a:srgbClr>
-                </a:outerShdw>
-              </a:effectLst>
-              <a:latin typeface="+mj-lt"/>
-            </a:endParaRPr>
-          </a:p>
-        </p:txBody>
-      </p:sp>
-      <p:cxnSp>
-        <p:nvCxnSpPr>
-          <p:cNvPr id="16" name="מחבר חץ ישר 15">
-            <a:extLst>
-              <a:ext uri="{FF2B5EF4-FFF2-40B4-BE49-F238E27FC236}">
-                <a16:creationId xmlns:a16="http://schemas.microsoft.com/office/drawing/2014/main" id="{1C7F45CD-CD2B-4BFD-9682-5F41BAB907DF}"/>
-              </a:ext>
-            </a:extLst>
-          </p:cNvPr>
-          <p:cNvCxnSpPr>
-            <a:cxnSpLocks/>
-          </p:cNvCxnSpPr>
-          <p:nvPr/>
-        </p:nvCxnSpPr>
-        <p:spPr>
-          <a:xfrm flipH="1">
-            <a:off x="6954474" y="4165111"/>
-            <a:ext cx="1661020" cy="348166"/>
-          </a:xfrm>
-          <a:prstGeom prst="straightConnector1">
-            <a:avLst/>
-          </a:prstGeom>
-          <a:ln>
-            <a:headEnd type="triangle"/>
-            <a:tailEnd type="triangle"/>
-          </a:ln>
-        </p:spPr>
-        <p:style>
-          <a:lnRef idx="1">
-            <a:schemeClr val="accent1"/>
-          </a:lnRef>
-          <a:fillRef idx="0">
-            <a:schemeClr val="accent1"/>
-          </a:fillRef>
-          <a:effectRef idx="0">
-            <a:schemeClr val="accent1"/>
-          </a:effectRef>
-          <a:fontRef idx="minor">
-            <a:schemeClr val="tx1"/>
-          </a:fontRef>
-        </p:style>
-      </p:cxnSp>
-      <p:cxnSp>
-        <p:nvCxnSpPr>
-          <p:cNvPr id="19" name="מחבר חץ ישר 18">
-            <a:extLst>
-              <a:ext uri="{FF2B5EF4-FFF2-40B4-BE49-F238E27FC236}">
-                <a16:creationId xmlns:a16="http://schemas.microsoft.com/office/drawing/2014/main" id="{D6A3AC4B-F455-4DDE-9009-3DD84AE29C02}"/>
-              </a:ext>
-            </a:extLst>
-          </p:cNvPr>
-          <p:cNvCxnSpPr>
-            <a:cxnSpLocks/>
-          </p:cNvCxnSpPr>
-          <p:nvPr/>
-        </p:nvCxnSpPr>
-        <p:spPr>
-          <a:xfrm flipH="1">
-            <a:off x="6862194" y="4165111"/>
-            <a:ext cx="184558" cy="205553"/>
-          </a:xfrm>
-          <a:prstGeom prst="straightConnector1">
-            <a:avLst/>
-          </a:prstGeom>
-          <a:ln>
-            <a:headEnd type="triangle"/>
-            <a:tailEnd type="triangle"/>
-          </a:ln>
-        </p:spPr>
-        <p:style>
-          <a:lnRef idx="1">
-            <a:schemeClr val="accent1"/>
-          </a:lnRef>
-          <a:fillRef idx="0">
-            <a:schemeClr val="accent1"/>
-          </a:fillRef>
-          <a:effectRef idx="0">
-            <a:schemeClr val="accent1"/>
-          </a:effectRef>
-          <a:fontRef idx="minor">
-            <a:schemeClr val="tx1"/>
-          </a:fontRef>
-        </p:style>
-      </p:cxnSp>
-      <p:cxnSp>
-        <p:nvCxnSpPr>
-          <p:cNvPr id="21" name="מחבר חץ ישר 20">
-            <a:extLst>
-              <a:ext uri="{FF2B5EF4-FFF2-40B4-BE49-F238E27FC236}">
-                <a16:creationId xmlns:a16="http://schemas.microsoft.com/office/drawing/2014/main" id="{A3A26787-7653-45C6-8758-18642C68B257}"/>
-              </a:ext>
-            </a:extLst>
-          </p:cNvPr>
-          <p:cNvCxnSpPr>
-            <a:cxnSpLocks/>
-          </p:cNvCxnSpPr>
-          <p:nvPr/>
-        </p:nvCxnSpPr>
-        <p:spPr>
-          <a:xfrm>
-            <a:off x="3934437" y="4165111"/>
-            <a:ext cx="1476462" cy="348166"/>
-          </a:xfrm>
-          <a:prstGeom prst="straightConnector1">
-            <a:avLst/>
-          </a:prstGeom>
-          <a:ln>
-            <a:headEnd type="triangle"/>
-            <a:tailEnd type="triangle"/>
-          </a:ln>
-        </p:spPr>
-        <p:style>
-          <a:lnRef idx="1">
-            <a:schemeClr val="accent1"/>
-          </a:lnRef>
-          <a:fillRef idx="0">
-            <a:schemeClr val="accent1"/>
-          </a:fillRef>
-          <a:effectRef idx="0">
-            <a:schemeClr val="accent1"/>
-          </a:effectRef>
-          <a:fontRef idx="minor">
-            <a:schemeClr val="tx1"/>
-          </a:fontRef>
-        </p:style>
-      </p:cxnSp>
-      <p:cxnSp>
-        <p:nvCxnSpPr>
-          <p:cNvPr id="22" name="מחבר חץ ישר 21">
-            <a:extLst>
-              <a:ext uri="{FF2B5EF4-FFF2-40B4-BE49-F238E27FC236}">
-                <a16:creationId xmlns:a16="http://schemas.microsoft.com/office/drawing/2014/main" id="{910F8703-45B5-47D9-84A1-0C3D10B2010B}"/>
-              </a:ext>
-            </a:extLst>
-          </p:cNvPr>
-          <p:cNvCxnSpPr>
-            <a:cxnSpLocks/>
-          </p:cNvCxnSpPr>
-          <p:nvPr/>
-        </p:nvCxnSpPr>
-        <p:spPr>
-          <a:xfrm>
-            <a:off x="5503179" y="4135772"/>
-            <a:ext cx="192946" cy="216005"/>
-          </a:xfrm>
-          <a:prstGeom prst="straightConnector1">
-            <a:avLst/>
-          </a:prstGeom>
-          <a:ln>
-            <a:headEnd type="triangle"/>
-            <a:tailEnd type="triangle"/>
-          </a:ln>
-        </p:spPr>
-        <p:style>
-          <a:lnRef idx="1">
-            <a:schemeClr val="accent1"/>
-          </a:lnRef>
-          <a:fillRef idx="0">
-            <a:schemeClr val="accent1"/>
-          </a:fillRef>
-          <a:effectRef idx="0">
-            <a:schemeClr val="accent1"/>
-          </a:effectRef>
-          <a:fontRef idx="minor">
-            <a:schemeClr val="tx1"/>
-          </a:fontRef>
-        </p:style>
-      </p:cxnSp>
-      <p:sp>
-        <p:nvSpPr>
-          <p:cNvPr id="26" name="תיבת טקסט 25">
-            <a:extLst>
-              <a:ext uri="{FF2B5EF4-FFF2-40B4-BE49-F238E27FC236}">
-                <a16:creationId xmlns:a16="http://schemas.microsoft.com/office/drawing/2014/main" id="{CF10EDBB-EF78-496A-8D68-69F09771AD11}"/>
-              </a:ext>
-            </a:extLst>
-          </p:cNvPr>
-          <p:cNvSpPr txBox="1"/>
-          <p:nvPr/>
-        </p:nvSpPr>
-        <p:spPr>
-          <a:xfrm>
-            <a:off x="1468073" y="1360529"/>
-            <a:ext cx="9630562" cy="1754326"/>
-          </a:xfrm>
-          <a:prstGeom prst="rect">
-            <a:avLst/>
-          </a:prstGeom>
-          <a:noFill/>
-        </p:spPr>
-        <p:txBody>
-          <a:bodyPr wrap="square" rtlCol="0">
-            <a:spAutoFit/>
-          </a:bodyPr>
-          <a:lstStyle/>
-          <a:p>
-            <a:pPr marL="285750" indent="-285750" algn="l" rtl="0">
-              <a:buFont typeface="Arial" panose="020B0604020202020204" pitchFamily="34" charset="0"/>
-              <a:buChar char="•"/>
-            </a:pPr>
-            <a:r>
-              <a:rPr lang="en-US" dirty="0">
-                <a:solidFill>
-                  <a:schemeClr val="tx2"/>
-                </a:solidFill>
-              </a:rPr>
-              <a:t>Multiple client system. Each client can query the master and deliberately be answered about. The answer is represented in client’s GUI.</a:t>
-            </a:r>
-          </a:p>
-          <a:p>
-            <a:pPr marL="285750" indent="-285750" algn="l" rtl="0">
-              <a:buFont typeface="Arial" panose="020B0604020202020204" pitchFamily="34" charset="0"/>
-              <a:buChar char="•"/>
-            </a:pPr>
-            <a:r>
-              <a:rPr lang="en-US" dirty="0">
-                <a:solidFill>
-                  <a:schemeClr val="tx2"/>
-                </a:solidFill>
-              </a:rPr>
-              <a:t>Multiple server system. Each server will get an equal portion of the data, and when needed will do a procedure of map-reduce algorithm, according to the asked query (asked from client).</a:t>
-            </a:r>
-          </a:p>
-          <a:p>
-            <a:pPr marL="285750" indent="-285750" algn="l" rtl="0">
-              <a:buFont typeface="Arial" panose="020B0604020202020204" pitchFamily="34" charset="0"/>
-              <a:buChar char="•"/>
-            </a:pPr>
-            <a:r>
-              <a:rPr lang="en-US" dirty="0">
-                <a:solidFill>
-                  <a:schemeClr val="tx2"/>
-                </a:solidFill>
-              </a:rPr>
-              <a:t>One Master. The master will handle all calls from clients and server together. Each call will be handled by special process.</a:t>
-            </a:r>
-          </a:p>
-        </p:txBody>
-      </p:sp>
-    </p:spTree>
-    <p:extLst>
-      <p:ext uri="{BB962C8B-B14F-4D97-AF65-F5344CB8AC3E}">
-        <p14:creationId xmlns:p14="http://schemas.microsoft.com/office/powerpoint/2010/main" val="1880561729"/>
-      </p:ext>
-    </p:extLst>
-  </p:cSld>
-  <p:clrMapOvr>
-    <a:masterClrMapping/>
-  </p:clrMapOvr>
-</p:sld>
-</file>
-
-<file path=ppt/slides/slide6.xml><?xml version="1.0" encoding="utf-8"?>
-<p:sld xmlns:a="http://schemas.openxmlformats.org/drawingml/2006/main" xmlns:r="http://schemas.openxmlformats.org/officeDocument/2006/relationships" xmlns:p="http://schemas.openxmlformats.org/presentationml/2006/main">
-  <p:cSld>
-    <p:spTree>
-      <p:nvGrpSpPr>
-        <p:cNvPr id="1" name=""/>
-        <p:cNvGrpSpPr/>
-        <p:nvPr/>
-      </p:nvGrpSpPr>
-      <p:grpSpPr>
-        <a:xfrm>
-          <a:off x="0" y="0"/>
-          <a:ext cx="0" cy="0"/>
-          <a:chOff x="0" y="0"/>
-          <a:chExt cx="0" cy="0"/>
-        </a:xfrm>
-      </p:grpSpPr>
-      <p:sp>
-        <p:nvSpPr>
-          <p:cNvPr id="2" name="כותרת 1">
-            <a:extLst>
-              <a:ext uri="{FF2B5EF4-FFF2-40B4-BE49-F238E27FC236}">
-                <a16:creationId xmlns:a16="http://schemas.microsoft.com/office/drawing/2014/main" id="{D1585F14-A3A2-46ED-8E61-87731DAC7852}"/>
-              </a:ext>
-            </a:extLst>
-          </p:cNvPr>
-          <p:cNvSpPr>
-            <a:spLocks noGrp="1"/>
-          </p:cNvSpPr>
-          <p:nvPr>
-            <p:ph type="title"/>
-          </p:nvPr>
-        </p:nvSpPr>
-        <p:spPr/>
-        <p:txBody>
-          <a:bodyPr/>
-          <a:lstStyle/>
-          <a:p>
-            <a:pPr algn="ctr" rtl="0"/>
-            <a:r>
-              <a:rPr lang="en-US" dirty="0">
-                <a:solidFill>
-                  <a:srgbClr val="000000"/>
-                </a:solidFill>
-              </a:rPr>
-              <a:t>Implementation Problems</a:t>
-            </a:r>
-          </a:p>
-        </p:txBody>
-      </p:sp>
-      <p:sp>
-        <p:nvSpPr>
-          <p:cNvPr id="3" name="מציין מיקום תוכן 2">
-            <a:extLst>
-              <a:ext uri="{FF2B5EF4-FFF2-40B4-BE49-F238E27FC236}">
-                <a16:creationId xmlns:a16="http://schemas.microsoft.com/office/drawing/2014/main" id="{9B4B196D-B165-4358-BD95-5DDD498D522D}"/>
-              </a:ext>
-            </a:extLst>
-          </p:cNvPr>
-          <p:cNvSpPr>
-            <a:spLocks noGrp="1"/>
-          </p:cNvSpPr>
-          <p:nvPr>
-            <p:ph idx="1"/>
-          </p:nvPr>
-        </p:nvSpPr>
-        <p:spPr>
-          <a:xfrm>
-            <a:off x="3897746" y="1747261"/>
-            <a:ext cx="7598929" cy="4508064"/>
-          </a:xfrm>
-        </p:spPr>
-        <p:txBody>
-          <a:bodyPr>
-            <a:normAutofit fontScale="85000" lnSpcReduction="20000"/>
-          </a:bodyPr>
-          <a:lstStyle/>
-          <a:p>
-            <a:pPr algn="l" rtl="0">
-              <a:buFont typeface="Wingdings" panose="05000000000000000000" pitchFamily="2" charset="2"/>
-              <a:buChar char="Ø"/>
-            </a:pPr>
-            <a:r>
-              <a:rPr lang="en-US" dirty="0">
-                <a:solidFill>
-                  <a:srgbClr val="000000"/>
-                </a:solidFill>
-              </a:rPr>
-              <a:t>Master and servers can be down for any reason → </a:t>
-            </a:r>
-          </a:p>
-          <a:p>
-            <a:pPr marL="0" indent="0" algn="l" rtl="0">
-              <a:buNone/>
-            </a:pPr>
-            <a:r>
-              <a:rPr lang="en-US" dirty="0">
-                <a:solidFill>
-                  <a:srgbClr val="000000"/>
-                </a:solidFill>
-              </a:rPr>
-              <a:t>	Thus we maintain the system distributed fault-	tolerance.</a:t>
-            </a:r>
-          </a:p>
-          <a:p>
-            <a:pPr marL="0" indent="0" algn="l" rtl="0">
-              <a:buNone/>
-            </a:pPr>
-            <a:endParaRPr lang="en-US" dirty="0">
-              <a:solidFill>
-                <a:srgbClr val="000000"/>
-              </a:solidFill>
-            </a:endParaRPr>
-          </a:p>
-          <a:p>
-            <a:pPr algn="l" rtl="0">
-              <a:buFont typeface="Wingdings" panose="05000000000000000000" pitchFamily="2" charset="2"/>
-              <a:buChar char="Ø"/>
-            </a:pPr>
-            <a:r>
-              <a:rPr lang="en-US" dirty="0">
-                <a:solidFill>
-                  <a:srgbClr val="000000"/>
-                </a:solidFill>
-              </a:rPr>
-              <a:t>Vary kind of answers (different categories, etc.) →</a:t>
-            </a:r>
-          </a:p>
-          <a:p>
-            <a:pPr marL="0" indent="0" algn="l" rtl="0">
-              <a:buNone/>
-            </a:pPr>
-            <a:r>
-              <a:rPr lang="en-US" dirty="0">
-                <a:solidFill>
-                  <a:srgbClr val="000000"/>
-                </a:solidFill>
-              </a:rPr>
-              <a:t>	GUI is generic-implemented. Future updated are 	easily possible.</a:t>
-            </a:r>
-          </a:p>
-          <a:p>
-            <a:pPr marL="0" indent="0" algn="l" rtl="0">
-              <a:buNone/>
-            </a:pPr>
-            <a:endParaRPr lang="en-US" dirty="0">
-              <a:solidFill>
-                <a:srgbClr val="000000"/>
-              </a:solidFill>
-            </a:endParaRPr>
-          </a:p>
-          <a:p>
-            <a:pPr algn="l" rtl="0">
-              <a:buFont typeface="Wingdings" panose="05000000000000000000" pitchFamily="2" charset="2"/>
-              <a:buChar char="Ø"/>
-            </a:pPr>
-            <a:r>
-              <a:rPr lang="en-US" dirty="0">
-                <a:solidFill>
-                  <a:srgbClr val="000000"/>
-                </a:solidFill>
-              </a:rPr>
-              <a:t>Data distribution needs to be updated when a node is down →</a:t>
-            </a:r>
-          </a:p>
-          <a:p>
-            <a:pPr marL="0" indent="0" algn="l" rtl="0">
-              <a:buNone/>
-            </a:pPr>
-            <a:r>
-              <a:rPr lang="en-US" dirty="0">
-                <a:solidFill>
-                  <a:srgbClr val="000000"/>
-                </a:solidFill>
-              </a:rPr>
-              <a:t>	Maintaining an automatic system of	distributing the 	data, by the nodedown/nodeup messages from 	connected nodes.</a:t>
-            </a:r>
-          </a:p>
-          <a:p>
-            <a:pPr algn="l" rtl="0">
-              <a:buFont typeface="Wingdings" panose="05000000000000000000" pitchFamily="2" charset="2"/>
-              <a:buChar char="Ø"/>
-            </a:pPr>
-            <a:endParaRPr lang="en-US" dirty="0">
-              <a:solidFill>
-                <a:srgbClr val="000000"/>
-              </a:solidFill>
-            </a:endParaRPr>
-          </a:p>
-          <a:p>
-            <a:pPr algn="l" rtl="0">
-              <a:buFont typeface="Wingdings" panose="05000000000000000000" pitchFamily="2" charset="2"/>
-              <a:buChar char="Ø"/>
-            </a:pPr>
-            <a:endParaRPr lang="en-US" dirty="0">
-              <a:solidFill>
-                <a:srgbClr val="000000"/>
-              </a:solidFill>
-            </a:endParaRPr>
-          </a:p>
-        </p:txBody>
-      </p:sp>
-      <p:pic>
-        <p:nvPicPr>
-          <p:cNvPr id="7" name="Picture 2" descr="Pin di Barrington Public Library su BPL Events July 2013- June 2014 | Film  per famiglia, Film anni 90, Bei film">
-            <a:extLst>
-              <a:ext uri="{FF2B5EF4-FFF2-40B4-BE49-F238E27FC236}">
-                <a16:creationId xmlns:a16="http://schemas.microsoft.com/office/drawing/2014/main" id="{D9496187-E429-4CFA-B8D7-145DDCF81EB8}"/>
-              </a:ext>
-            </a:extLst>
-          </p:cNvPr>
-          <p:cNvPicPr>
-            <a:picLocks noChangeAspect="1" noChangeArrowheads="1"/>
-          </p:cNvPicPr>
-          <p:nvPr/>
-        </p:nvPicPr>
-        <p:blipFill>
-          <a:blip r:embed="rId2">
-            <a:extLst>
-              <a:ext uri="{28A0092B-C50C-407E-A947-70E740481C1C}">
-                <a14:useLocalDpi xmlns:a14="http://schemas.microsoft.com/office/drawing/2010/main" val="0"/>
-              </a:ext>
-            </a:extLst>
-          </a:blip>
-          <a:srcRect/>
-          <a:stretch>
-            <a:fillRect/>
-          </a:stretch>
-        </p:blipFill>
-        <p:spPr bwMode="auto">
-          <a:xfrm>
-            <a:off x="540756" y="1652948"/>
-            <a:ext cx="2996315" cy="4696691"/>
-          </a:xfrm>
-          <a:prstGeom prst="round2DiagRect">
-            <a:avLst>
-              <a:gd name="adj1" fmla="val 16667"/>
-              <a:gd name="adj2" fmla="val 0"/>
-            </a:avLst>
-          </a:prstGeom>
-          <a:ln w="88900" cap="sq">
-            <a:solidFill>
-              <a:schemeClr val="tx2"/>
-            </a:solidFill>
-            <a:miter lim="800000"/>
-          </a:ln>
-          <a:effectLst>
-            <a:outerShdw blurRad="254000" algn="tl" rotWithShape="0">
-              <a:srgbClr val="000000">
-                <a:alpha val="43000"/>
-              </a:srgbClr>
-            </a:outerShdw>
-          </a:effectLst>
-          <a:extLst>
-            <a:ext uri="{909E8E84-426E-40DD-AFC4-6F175D3DCCD1}">
-              <a14:hiddenFill xmlns:a14="http://schemas.microsoft.com/office/drawing/2010/main">
-                <a:solidFill>
-                  <a:srgbClr val="FFFFFF"/>
-                </a:solidFill>
-              </a14:hiddenFill>
-            </a:ext>
-          </a:extLst>
-        </p:spPr>
-      </p:pic>
-    </p:spTree>
-    <p:extLst>
-      <p:ext uri="{BB962C8B-B14F-4D97-AF65-F5344CB8AC3E}">
-        <p14:creationId xmlns:p14="http://schemas.microsoft.com/office/powerpoint/2010/main" val="3843654074"/>
-      </p:ext>
-    </p:extLst>
-  </p:cSld>
-  <p:clrMapOvr>
-    <a:masterClrMapping/>
-  </p:clrMapOvr>
-</p:sld>
-</file>
-
-<file path=ppt/slides/slide7.xml><?xml version="1.0" encoding="utf-8"?>
-<p:sld xmlns:a="http://schemas.openxmlformats.org/drawingml/2006/main" xmlns:r="http://schemas.openxmlformats.org/officeDocument/2006/relationships" xmlns:p="http://schemas.openxmlformats.org/presentationml/2006/main">
-  <p:cSld>
-    <p:spTree>
-      <p:nvGrpSpPr>
-        <p:cNvPr id="1" name=""/>
-        <p:cNvGrpSpPr/>
-        <p:nvPr/>
-      </p:nvGrpSpPr>
-      <p:grpSpPr>
-        <a:xfrm>
-          <a:off x="0" y="0"/>
-          <a:ext cx="0" cy="0"/>
-          <a:chOff x="0" y="0"/>
-          <a:chExt cx="0" cy="0"/>
-        </a:xfrm>
-      </p:grpSpPr>
-      <p:sp>
-        <p:nvSpPr>
-          <p:cNvPr id="2" name="כותרת 1">
-            <a:extLst>
-              <a:ext uri="{FF2B5EF4-FFF2-40B4-BE49-F238E27FC236}">
-                <a16:creationId xmlns:a16="http://schemas.microsoft.com/office/drawing/2014/main" id="{D1585F14-A3A2-46ED-8E61-87731DAC7852}"/>
-              </a:ext>
-            </a:extLst>
-          </p:cNvPr>
-          <p:cNvSpPr>
-            <a:spLocks noGrp="1"/>
-          </p:cNvSpPr>
-          <p:nvPr>
-            <p:ph type="title"/>
-          </p:nvPr>
-        </p:nvSpPr>
-        <p:spPr/>
-        <p:txBody>
-          <a:bodyPr/>
-          <a:lstStyle/>
-          <a:p>
-            <a:pPr algn="ctr" rtl="0"/>
-            <a:r>
-              <a:rPr lang="en-US" dirty="0">
-                <a:solidFill>
-                  <a:srgbClr val="000000"/>
-                </a:solidFill>
-              </a:rPr>
-              <a:t>Conclusions</a:t>
-            </a:r>
-          </a:p>
-        </p:txBody>
-      </p:sp>
-      <p:sp>
-        <p:nvSpPr>
-          <p:cNvPr id="3" name="מציין מיקום תוכן 2">
-            <a:extLst>
-              <a:ext uri="{FF2B5EF4-FFF2-40B4-BE49-F238E27FC236}">
-                <a16:creationId xmlns:a16="http://schemas.microsoft.com/office/drawing/2014/main" id="{9B4B196D-B165-4358-BD95-5DDD498D522D}"/>
-              </a:ext>
-            </a:extLst>
-          </p:cNvPr>
-          <p:cNvSpPr>
-            <a:spLocks noGrp="1"/>
-          </p:cNvSpPr>
-          <p:nvPr>
-            <p:ph idx="1"/>
-          </p:nvPr>
-        </p:nvSpPr>
-        <p:spPr>
-          <a:xfrm>
-            <a:off x="838199" y="1825624"/>
-            <a:ext cx="10126211" cy="4508064"/>
-          </a:xfrm>
-        </p:spPr>
-        <p:txBody>
-          <a:bodyPr/>
-          <a:lstStyle/>
-          <a:p>
-            <a:pPr algn="l" rtl="0"/>
-            <a:r>
-              <a:rPr lang="en-US" dirty="0">
-                <a:solidFill>
-                  <a:srgbClr val="000000"/>
-                </a:solidFill>
-              </a:rPr>
-              <a:t>Working with multiple-nodes is a complicated job, even if using gen_server template.</a:t>
-            </a:r>
-          </a:p>
-          <a:p>
-            <a:pPr algn="l" rtl="0"/>
-            <a:endParaRPr lang="en-US" dirty="0">
-              <a:solidFill>
-                <a:srgbClr val="000000"/>
-              </a:solidFill>
-            </a:endParaRPr>
-          </a:p>
-          <a:p>
-            <a:pPr algn="l" rtl="0"/>
-            <a:r>
-              <a:rPr lang="en-US" dirty="0">
-                <a:solidFill>
-                  <a:srgbClr val="000000"/>
-                </a:solidFill>
-              </a:rPr>
-              <a:t>Fault-tolerant system solves the major of the problems, letting the system dynamically adjust exceptions without stopping.</a:t>
-            </a:r>
-          </a:p>
-          <a:p>
-            <a:pPr algn="l" rtl="0"/>
-            <a:endParaRPr lang="en-US" dirty="0">
-              <a:solidFill>
-                <a:srgbClr val="000000"/>
-              </a:solidFill>
-            </a:endParaRPr>
-          </a:p>
-          <a:p>
-            <a:pPr algn="l" rtl="0"/>
-            <a:r>
-              <a:rPr lang="en-US" dirty="0">
-                <a:solidFill>
-                  <a:srgbClr val="000000"/>
-                </a:solidFill>
-              </a:rPr>
-              <a:t>Map-reduce algorithm is very effective on large data. Performance may improve as there are more servers available to work.</a:t>
-            </a:r>
-          </a:p>
-          <a:p>
-            <a:pPr algn="l" rtl="0">
-              <a:buFont typeface="Wingdings" panose="05000000000000000000" pitchFamily="2" charset="2"/>
-              <a:buChar char="Ø"/>
-            </a:pPr>
-            <a:endParaRPr lang="en-US" dirty="0">
-              <a:solidFill>
-                <a:srgbClr val="000000"/>
-              </a:solidFill>
-            </a:endParaRPr>
-          </a:p>
-        </p:txBody>
-      </p:sp>
-    </p:spTree>
-    <p:extLst>
-      <p:ext uri="{BB962C8B-B14F-4D97-AF65-F5344CB8AC3E}">
-        <p14:creationId xmlns:p14="http://schemas.microsoft.com/office/powerpoint/2010/main" val="864093404"/>
-      </p:ext>
-    </p:extLst>
-  </p:cSld>
-  <p:clrMapOvr>
-    <a:masterClrMapping/>
-  </p:clrMapOvr>
-</p:sld>
-</file>
-
-<file path=ppt/slides/slide8.xml><?xml version="1.0" encoding="utf-8"?>
-<p:sld xmlns:a="http://schemas.openxmlformats.org/drawingml/2006/main" xmlns:r="http://schemas.openxmlformats.org/officeDocument/2006/relationships" xmlns:p="http://schemas.openxmlformats.org/presentationml/2006/main">
-  <p:cSld>
-    <p:spTree>
-      <p:nvGrpSpPr>
-        <p:cNvPr id="1" name=""/>
-        <p:cNvGrpSpPr/>
-        <p:nvPr/>
-      </p:nvGrpSpPr>
-      <p:grpSpPr>
-        <a:xfrm>
-          <a:off x="0" y="0"/>
-          <a:ext cx="0" cy="0"/>
-          <a:chOff x="0" y="0"/>
-          <a:chExt cx="0" cy="0"/>
-        </a:xfrm>
-      </p:grpSpPr>
-      <p:sp>
-        <p:nvSpPr>
-          <p:cNvPr id="2" name="כותרת 1">
-            <a:extLst>
-              <a:ext uri="{FF2B5EF4-FFF2-40B4-BE49-F238E27FC236}">
-                <a16:creationId xmlns:a16="http://schemas.microsoft.com/office/drawing/2014/main" id="{D1585F14-A3A2-46ED-8E61-87731DAC7852}"/>
-              </a:ext>
-            </a:extLst>
-          </p:cNvPr>
-          <p:cNvSpPr>
-            <a:spLocks noGrp="1"/>
-          </p:cNvSpPr>
-          <p:nvPr>
-            <p:ph type="title"/>
-          </p:nvPr>
-        </p:nvSpPr>
-        <p:spPr/>
-        <p:txBody>
-          <a:bodyPr/>
-          <a:lstStyle/>
-          <a:p>
-            <a:pPr algn="ctr" rtl="0"/>
-            <a:r>
-              <a:rPr lang="en-US" dirty="0">
-                <a:solidFill>
-                  <a:srgbClr val="000000"/>
-                </a:solidFill>
-              </a:rPr>
-              <a:t>Results</a:t>
-            </a:r>
-          </a:p>
-        </p:txBody>
-      </p:sp>
-      <p:sp>
-        <p:nvSpPr>
-          <p:cNvPr id="3" name="מציין מיקום תוכן 2">
-            <a:extLst>
-              <a:ext uri="{FF2B5EF4-FFF2-40B4-BE49-F238E27FC236}">
-                <a16:creationId xmlns:a16="http://schemas.microsoft.com/office/drawing/2014/main" id="{9B4B196D-B165-4358-BD95-5DDD498D522D}"/>
-              </a:ext>
-            </a:extLst>
-          </p:cNvPr>
-          <p:cNvSpPr>
-            <a:spLocks noGrp="1"/>
-          </p:cNvSpPr>
-          <p:nvPr>
-            <p:ph idx="1"/>
-          </p:nvPr>
-        </p:nvSpPr>
-        <p:spPr>
-          <a:xfrm>
-            <a:off x="4086225" y="1825624"/>
-            <a:ext cx="6878185" cy="4508064"/>
-          </a:xfrm>
-        </p:spPr>
-        <p:txBody>
-          <a:bodyPr/>
-          <a:lstStyle/>
-          <a:p>
-            <a:pPr algn="l" rtl="0"/>
-            <a:r>
-              <a:rPr lang="en-US" dirty="0">
-                <a:solidFill>
-                  <a:srgbClr val="000000"/>
-                </a:solidFill>
-              </a:rPr>
-              <a:t>*** ADD RESULTS ***</a:t>
-            </a:r>
-          </a:p>
-        </p:txBody>
-      </p:sp>
-      <p:pic>
-        <p:nvPicPr>
-          <p:cNvPr id="5122" name="Picture 2" descr="Results Review: Guy Pearce and Cobie Smulders Feel the Burn | Collider">
-            <a:extLst>
-              <a:ext uri="{FF2B5EF4-FFF2-40B4-BE49-F238E27FC236}">
-                <a16:creationId xmlns:a16="http://schemas.microsoft.com/office/drawing/2014/main" id="{3590E672-229E-44F8-9D75-94D1E28A5EE7}"/>
-              </a:ext>
-            </a:extLst>
-          </p:cNvPr>
-          <p:cNvPicPr>
-            <a:picLocks noChangeAspect="1" noChangeArrowheads="1"/>
-          </p:cNvPicPr>
-          <p:nvPr/>
-        </p:nvPicPr>
-        <p:blipFill>
-          <a:blip r:embed="rId2">
-            <a:extLst>
-              <a:ext uri="{28A0092B-C50C-407E-A947-70E740481C1C}">
-                <a14:useLocalDpi xmlns:a14="http://schemas.microsoft.com/office/drawing/2010/main" val="0"/>
-              </a:ext>
-            </a:extLst>
-          </a:blip>
-          <a:srcRect/>
-          <a:stretch>
-            <a:fillRect/>
-          </a:stretch>
-        </p:blipFill>
-        <p:spPr bwMode="auto">
-          <a:xfrm>
-            <a:off x="619117" y="1523134"/>
-            <a:ext cx="3170266" cy="4696691"/>
-          </a:xfrm>
-          <a:prstGeom prst="round2DiagRect">
-            <a:avLst>
-              <a:gd name="adj1" fmla="val 16667"/>
-              <a:gd name="adj2" fmla="val 0"/>
-            </a:avLst>
-          </a:prstGeom>
-          <a:ln w="88900" cap="sq">
-            <a:solidFill>
-              <a:schemeClr val="tx2"/>
-            </a:solidFill>
-            <a:miter lim="800000"/>
-          </a:ln>
-          <a:effectLst>
-            <a:outerShdw blurRad="254000" algn="tl" rotWithShape="0">
-              <a:srgbClr val="000000">
-                <a:alpha val="43000"/>
-              </a:srgbClr>
-            </a:outerShdw>
-          </a:effectLst>
-          <a:extLst>
-            <a:ext uri="{909E8E84-426E-40DD-AFC4-6F175D3DCCD1}">
-              <a14:hiddenFill xmlns:a14="http://schemas.microsoft.com/office/drawing/2010/main">
-                <a:solidFill>
-                  <a:srgbClr val="FFFFFF"/>
-                </a:solidFill>
-              </a14:hiddenFill>
-            </a:ext>
-          </a:extLst>
-        </p:spPr>
-      </p:pic>
-    </p:spTree>
-    <p:extLst>
-      <p:ext uri="{BB962C8B-B14F-4D97-AF65-F5344CB8AC3E}">
-        <p14:creationId xmlns:p14="http://schemas.microsoft.com/office/powerpoint/2010/main" val="3498095282"/>
-      </p:ext>
-    </p:extLst>
-  </p:cSld>
-  <p:clrMapOvr>
-    <a:masterClrMapping/>
-  </p:clrMapOvr>
-</p:sld>
-</file>
-
-<file path=ppt/slides/slide9.xml><?xml version="1.0" encoding="utf-8"?>
+<file path=ppt/slides/slide10.xml><?xml version="1.0" encoding="utf-8"?>
 <p:sld xmlns:a="http://schemas.openxmlformats.org/drawingml/2006/main" xmlns:r="http://schemas.openxmlformats.org/officeDocument/2006/relationships" xmlns:p="http://schemas.openxmlformats.org/presentationml/2006/main">
   <p:cSld>
     <p:spTree>
@@ -10906,6 +9376,1982 @@
 </p:sld>
 </file>
 
+<file path=ppt/slides/slide2.xml><?xml version="1.0" encoding="utf-8"?>
+<p:sld xmlns:a="http://schemas.openxmlformats.org/drawingml/2006/main" xmlns:r="http://schemas.openxmlformats.org/officeDocument/2006/relationships" xmlns:p="http://schemas.openxmlformats.org/presentationml/2006/main">
+  <p:cSld>
+    <p:spTree>
+      <p:nvGrpSpPr>
+        <p:cNvPr id="1" name=""/>
+        <p:cNvGrpSpPr/>
+        <p:nvPr/>
+      </p:nvGrpSpPr>
+      <p:grpSpPr>
+        <a:xfrm>
+          <a:off x="0" y="0"/>
+          <a:ext cx="0" cy="0"/>
+          <a:chOff x="0" y="0"/>
+          <a:chExt cx="0" cy="0"/>
+        </a:xfrm>
+      </p:grpSpPr>
+      <p:sp>
+        <p:nvSpPr>
+          <p:cNvPr id="2" name="כותרת 1">
+            <a:extLst>
+              <a:ext uri="{FF2B5EF4-FFF2-40B4-BE49-F238E27FC236}">
+                <a16:creationId xmlns:a16="http://schemas.microsoft.com/office/drawing/2014/main" id="{47FB5454-8EC3-4987-8D56-C6CEE56AEC30}"/>
+              </a:ext>
+            </a:extLst>
+          </p:cNvPr>
+          <p:cNvSpPr>
+            <a:spLocks noGrp="1"/>
+          </p:cNvSpPr>
+          <p:nvPr>
+            <p:ph type="title"/>
+          </p:nvPr>
+        </p:nvSpPr>
+        <p:spPr/>
+        <p:txBody>
+          <a:bodyPr/>
+          <a:lstStyle/>
+          <a:p>
+            <a:pPr algn="ctr" rtl="0"/>
+            <a:r>
+              <a:rPr lang="en-US" dirty="0">
+                <a:solidFill>
+                  <a:srgbClr val="000000"/>
+                </a:solidFill>
+              </a:rPr>
+              <a:t>Project Goals</a:t>
+            </a:r>
+          </a:p>
+        </p:txBody>
+      </p:sp>
+      <p:sp>
+        <p:nvSpPr>
+          <p:cNvPr id="3" name="מציין מיקום תוכן 2">
+            <a:extLst>
+              <a:ext uri="{FF2B5EF4-FFF2-40B4-BE49-F238E27FC236}">
+                <a16:creationId xmlns:a16="http://schemas.microsoft.com/office/drawing/2014/main" id="{621CF8A0-6E19-40AD-867B-78A76E0943C3}"/>
+              </a:ext>
+            </a:extLst>
+          </p:cNvPr>
+          <p:cNvSpPr>
+            <a:spLocks noGrp="1"/>
+          </p:cNvSpPr>
+          <p:nvPr>
+            <p:ph idx="1"/>
+          </p:nvPr>
+        </p:nvSpPr>
+        <p:spPr>
+          <a:xfrm>
+            <a:off x="838200" y="1828801"/>
+            <a:ext cx="6818745" cy="4348162"/>
+          </a:xfrm>
+        </p:spPr>
+        <p:txBody>
+          <a:bodyPr/>
+          <a:lstStyle/>
+          <a:p>
+            <a:pPr algn="l" rtl="0"/>
+            <a:r>
+              <a:rPr lang="en-US" dirty="0">
+                <a:solidFill>
+                  <a:srgbClr val="000000"/>
+                </a:solidFill>
+              </a:rPr>
+              <a:t>The project’s goal is to learn how to use Erlang programming language to maintain a system which is distributed and parallel</a:t>
+            </a:r>
+          </a:p>
+          <a:p>
+            <a:pPr marL="0" indent="0" algn="l" rtl="0">
+              <a:buNone/>
+            </a:pPr>
+            <a:endParaRPr lang="en-US" dirty="0">
+              <a:solidFill>
+                <a:srgbClr val="000000"/>
+              </a:solidFill>
+            </a:endParaRPr>
+          </a:p>
+          <a:p>
+            <a:pPr algn="l" rtl="0"/>
+            <a:r>
+              <a:rPr lang="en-US" dirty="0">
+                <a:solidFill>
+                  <a:srgbClr val="000000"/>
+                </a:solidFill>
+              </a:rPr>
+              <a:t>In addition, the goal is to get familiar with Map-Reduce algorithm and implement it in the system.</a:t>
+            </a:r>
+          </a:p>
+          <a:p>
+            <a:pPr marL="0" indent="0">
+              <a:buNone/>
+            </a:pPr>
+            <a:endParaRPr lang="en-US" dirty="0">
+              <a:solidFill>
+                <a:srgbClr val="000000"/>
+              </a:solidFill>
+            </a:endParaRPr>
+          </a:p>
+        </p:txBody>
+      </p:sp>
+      <p:pic>
+        <p:nvPicPr>
+          <p:cNvPr id="5" name="תמונה 4">
+            <a:extLst>
+              <a:ext uri="{FF2B5EF4-FFF2-40B4-BE49-F238E27FC236}">
+                <a16:creationId xmlns:a16="http://schemas.microsoft.com/office/drawing/2014/main" id="{34C7E5F5-41D0-4579-A459-46007B0968EE}"/>
+              </a:ext>
+            </a:extLst>
+          </p:cNvPr>
+          <p:cNvPicPr>
+            <a:picLocks noChangeAspect="1"/>
+          </p:cNvPicPr>
+          <p:nvPr/>
+        </p:nvPicPr>
+        <p:blipFill>
+          <a:blip r:embed="rId2">
+            <a:extLst>
+              <a:ext uri="{28A0092B-C50C-407E-A947-70E740481C1C}">
+                <a14:useLocalDpi xmlns:a14="http://schemas.microsoft.com/office/drawing/2010/main" val="0"/>
+              </a:ext>
+            </a:extLst>
+          </a:blip>
+          <a:stretch>
+            <a:fillRect/>
+          </a:stretch>
+        </p:blipFill>
+        <p:spPr>
+          <a:xfrm>
+            <a:off x="8424838" y="1547526"/>
+            <a:ext cx="3132156" cy="4698235"/>
+          </a:xfrm>
+          <a:prstGeom prst="snip2DiagRect">
+            <a:avLst/>
+          </a:prstGeom>
+          <a:solidFill>
+            <a:srgbClr val="FFFFFF">
+              <a:shade val="85000"/>
+            </a:srgbClr>
+          </a:solidFill>
+          <a:ln w="88900" cap="sq">
+            <a:solidFill>
+              <a:schemeClr val="tx2"/>
+            </a:solidFill>
+            <a:miter lim="800000"/>
+          </a:ln>
+          <a:effectLst>
+            <a:outerShdw blurRad="88900" algn="tl" rotWithShape="0">
+              <a:srgbClr val="000000">
+                <a:alpha val="45000"/>
+              </a:srgbClr>
+            </a:outerShdw>
+          </a:effectLst>
+          <a:scene3d>
+            <a:camera prst="orthographicFront"/>
+            <a:lightRig rig="twoPt" dir="t">
+              <a:rot lat="0" lon="0" rev="7200000"/>
+            </a:lightRig>
+          </a:scene3d>
+          <a:sp3d>
+            <a:bevelT w="25400" h="19050"/>
+            <a:contourClr>
+              <a:srgbClr val="FFFFFF"/>
+            </a:contourClr>
+          </a:sp3d>
+        </p:spPr>
+      </p:pic>
+    </p:spTree>
+    <p:extLst>
+      <p:ext uri="{BB962C8B-B14F-4D97-AF65-F5344CB8AC3E}">
+        <p14:creationId xmlns:p14="http://schemas.microsoft.com/office/powerpoint/2010/main" val="2700129287"/>
+      </p:ext>
+    </p:extLst>
+  </p:cSld>
+  <p:clrMapOvr>
+    <a:masterClrMapping/>
+  </p:clrMapOvr>
+</p:sld>
+</file>
+
+<file path=ppt/slides/slide3.xml><?xml version="1.0" encoding="utf-8"?>
+<p:sld xmlns:a="http://schemas.openxmlformats.org/drawingml/2006/main" xmlns:r="http://schemas.openxmlformats.org/officeDocument/2006/relationships" xmlns:p="http://schemas.openxmlformats.org/presentationml/2006/main">
+  <p:cSld>
+    <p:spTree>
+      <p:nvGrpSpPr>
+        <p:cNvPr id="1" name=""/>
+        <p:cNvGrpSpPr/>
+        <p:nvPr/>
+      </p:nvGrpSpPr>
+      <p:grpSpPr>
+        <a:xfrm>
+          <a:off x="0" y="0"/>
+          <a:ext cx="0" cy="0"/>
+          <a:chOff x="0" y="0"/>
+          <a:chExt cx="0" cy="0"/>
+        </a:xfrm>
+      </p:grpSpPr>
+      <p:sp>
+        <p:nvSpPr>
+          <p:cNvPr id="2" name="כותרת 1">
+            <a:extLst>
+              <a:ext uri="{FF2B5EF4-FFF2-40B4-BE49-F238E27FC236}">
+                <a16:creationId xmlns:a16="http://schemas.microsoft.com/office/drawing/2014/main" id="{47FB5454-8EC3-4987-8D56-C6CEE56AEC30}"/>
+              </a:ext>
+            </a:extLst>
+          </p:cNvPr>
+          <p:cNvSpPr>
+            <a:spLocks noGrp="1"/>
+          </p:cNvSpPr>
+          <p:nvPr>
+            <p:ph type="title"/>
+          </p:nvPr>
+        </p:nvSpPr>
+        <p:spPr/>
+        <p:txBody>
+          <a:bodyPr/>
+          <a:lstStyle/>
+          <a:p>
+            <a:pPr algn="ctr" rtl="0"/>
+            <a:r>
+              <a:rPr lang="en-US" dirty="0">
+                <a:solidFill>
+                  <a:srgbClr val="000000"/>
+                </a:solidFill>
+              </a:rPr>
+              <a:t>Problem Definition</a:t>
+            </a:r>
+          </a:p>
+        </p:txBody>
+      </p:sp>
+      <p:sp>
+        <p:nvSpPr>
+          <p:cNvPr id="3" name="מציין מיקום תוכן 2">
+            <a:extLst>
+              <a:ext uri="{FF2B5EF4-FFF2-40B4-BE49-F238E27FC236}">
+                <a16:creationId xmlns:a16="http://schemas.microsoft.com/office/drawing/2014/main" id="{621CF8A0-6E19-40AD-867B-78A76E0943C3}"/>
+              </a:ext>
+            </a:extLst>
+          </p:cNvPr>
+          <p:cNvSpPr>
+            <a:spLocks noGrp="1"/>
+          </p:cNvSpPr>
+          <p:nvPr>
+            <p:ph idx="1"/>
+          </p:nvPr>
+        </p:nvSpPr>
+        <p:spPr>
+          <a:xfrm>
+            <a:off x="956345" y="1825625"/>
+            <a:ext cx="10397455" cy="4351338"/>
+          </a:xfrm>
+        </p:spPr>
+        <p:txBody>
+          <a:bodyPr>
+            <a:normAutofit/>
+          </a:bodyPr>
+          <a:lstStyle/>
+          <a:p>
+            <a:pPr algn="l" rtl="0"/>
+            <a:r>
+              <a:rPr lang="en-US" dirty="0">
+                <a:solidFill>
+                  <a:srgbClr val="000000"/>
+                </a:solidFill>
+              </a:rPr>
+              <a:t>How to design a multi-client multi-server system?</a:t>
+            </a:r>
+          </a:p>
+          <a:p>
+            <a:pPr algn="l" rtl="0"/>
+            <a:endParaRPr lang="en-US" dirty="0">
+              <a:solidFill>
+                <a:srgbClr val="000000"/>
+              </a:solidFill>
+            </a:endParaRPr>
+          </a:p>
+          <a:p>
+            <a:pPr algn="l" rtl="0"/>
+            <a:r>
+              <a:rPr lang="en-US" dirty="0">
+                <a:solidFill>
+                  <a:srgbClr val="000000"/>
+                </a:solidFill>
+              </a:rPr>
+              <a:t>What are the components of the system?</a:t>
+            </a:r>
+          </a:p>
+          <a:p>
+            <a:pPr algn="l" rtl="0"/>
+            <a:endParaRPr lang="en-US" dirty="0">
+              <a:solidFill>
+                <a:srgbClr val="000000"/>
+              </a:solidFill>
+            </a:endParaRPr>
+          </a:p>
+          <a:p>
+            <a:pPr algn="l" rtl="0"/>
+            <a:r>
+              <a:rPr lang="en-US" dirty="0">
+                <a:solidFill>
+                  <a:srgbClr val="000000"/>
+                </a:solidFill>
+              </a:rPr>
+              <a:t>How the communication between each one should be down?</a:t>
+            </a:r>
+          </a:p>
+          <a:p>
+            <a:pPr algn="l" rtl="0"/>
+            <a:endParaRPr lang="en-US" dirty="0">
+              <a:solidFill>
+                <a:srgbClr val="000000"/>
+              </a:solidFill>
+            </a:endParaRPr>
+          </a:p>
+          <a:p>
+            <a:pPr algn="l" rtl="0"/>
+            <a:r>
+              <a:rPr lang="en-US" dirty="0">
+                <a:solidFill>
+                  <a:srgbClr val="000000"/>
+                </a:solidFill>
+              </a:rPr>
+              <a:t>How to distribute data between nodes, and what kind of information should be transferred?</a:t>
+            </a:r>
+          </a:p>
+          <a:p>
+            <a:pPr marL="0" indent="0">
+              <a:buNone/>
+            </a:pPr>
+            <a:endParaRPr lang="en-US" dirty="0">
+              <a:solidFill>
+                <a:srgbClr val="000000"/>
+              </a:solidFill>
+            </a:endParaRPr>
+          </a:p>
+        </p:txBody>
+      </p:sp>
+    </p:spTree>
+    <p:extLst>
+      <p:ext uri="{BB962C8B-B14F-4D97-AF65-F5344CB8AC3E}">
+        <p14:creationId xmlns:p14="http://schemas.microsoft.com/office/powerpoint/2010/main" val="3106042516"/>
+      </p:ext>
+    </p:extLst>
+  </p:cSld>
+  <p:clrMapOvr>
+    <a:masterClrMapping/>
+  </p:clrMapOvr>
+</p:sld>
+</file>
+
+<file path=ppt/slides/slide4.xml><?xml version="1.0" encoding="utf-8"?>
+<p:sld xmlns:a="http://schemas.openxmlformats.org/drawingml/2006/main" xmlns:r="http://schemas.openxmlformats.org/officeDocument/2006/relationships" xmlns:p="http://schemas.openxmlformats.org/presentationml/2006/main">
+  <p:cSld>
+    <p:spTree>
+      <p:nvGrpSpPr>
+        <p:cNvPr id="1" name=""/>
+        <p:cNvGrpSpPr/>
+        <p:nvPr/>
+      </p:nvGrpSpPr>
+      <p:grpSpPr>
+        <a:xfrm>
+          <a:off x="0" y="0"/>
+          <a:ext cx="0" cy="0"/>
+          <a:chOff x="0" y="0"/>
+          <a:chExt cx="0" cy="0"/>
+        </a:xfrm>
+      </p:grpSpPr>
+      <p:sp>
+        <p:nvSpPr>
+          <p:cNvPr id="2" name="כותרת 1">
+            <a:extLst>
+              <a:ext uri="{FF2B5EF4-FFF2-40B4-BE49-F238E27FC236}">
+                <a16:creationId xmlns:a16="http://schemas.microsoft.com/office/drawing/2014/main" id="{D1585F14-A3A2-46ED-8E61-87731DAC7852}"/>
+              </a:ext>
+            </a:extLst>
+          </p:cNvPr>
+          <p:cNvSpPr>
+            <a:spLocks noGrp="1"/>
+          </p:cNvSpPr>
+          <p:nvPr>
+            <p:ph type="title"/>
+          </p:nvPr>
+        </p:nvSpPr>
+        <p:spPr/>
+        <p:txBody>
+          <a:bodyPr/>
+          <a:lstStyle/>
+          <a:p>
+            <a:pPr algn="ctr" rtl="0"/>
+            <a:r>
+              <a:rPr lang="en-US" dirty="0">
+                <a:solidFill>
+                  <a:srgbClr val="000000"/>
+                </a:solidFill>
+              </a:rPr>
+              <a:t>Project Definition</a:t>
+            </a:r>
+          </a:p>
+        </p:txBody>
+      </p:sp>
+      <p:sp>
+        <p:nvSpPr>
+          <p:cNvPr id="3" name="מציין מיקום תוכן 2">
+            <a:extLst>
+              <a:ext uri="{FF2B5EF4-FFF2-40B4-BE49-F238E27FC236}">
+                <a16:creationId xmlns:a16="http://schemas.microsoft.com/office/drawing/2014/main" id="{9B4B196D-B165-4358-BD95-5DDD498D522D}"/>
+              </a:ext>
+            </a:extLst>
+          </p:cNvPr>
+          <p:cNvSpPr>
+            <a:spLocks noGrp="1"/>
+          </p:cNvSpPr>
+          <p:nvPr>
+            <p:ph idx="1"/>
+          </p:nvPr>
+        </p:nvSpPr>
+        <p:spPr>
+          <a:xfrm>
+            <a:off x="838200" y="1825624"/>
+            <a:ext cx="7289800" cy="4384675"/>
+          </a:xfrm>
+        </p:spPr>
+        <p:txBody>
+          <a:bodyPr/>
+          <a:lstStyle/>
+          <a:p>
+            <a:pPr algn="l" rtl="0">
+              <a:buFont typeface="Wingdings" panose="05000000000000000000" pitchFamily="2" charset="2"/>
+              <a:buChar char="Ø"/>
+            </a:pPr>
+            <a:r>
+              <a:rPr lang="en-US" dirty="0">
+                <a:solidFill>
+                  <a:srgbClr val="000000"/>
+                </a:solidFill>
+              </a:rPr>
+              <a:t>With IMDb movie records, we created a query-system to achieve relevant information from.</a:t>
+            </a:r>
+          </a:p>
+          <a:p>
+            <a:pPr algn="l" rtl="0">
+              <a:buFont typeface="Wingdings" panose="05000000000000000000" pitchFamily="2" charset="2"/>
+              <a:buChar char="Ø"/>
+            </a:pPr>
+            <a:r>
+              <a:rPr lang="en-US" dirty="0">
+                <a:solidFill>
+                  <a:srgbClr val="000000"/>
+                </a:solidFill>
+              </a:rPr>
+              <a:t>The system is using multiple-clients which sends a query to the master. </a:t>
+            </a:r>
+          </a:p>
+          <a:p>
+            <a:pPr algn="l" rtl="0">
+              <a:buFont typeface="Wingdings" panose="05000000000000000000" pitchFamily="2" charset="2"/>
+              <a:buChar char="Ø"/>
+            </a:pPr>
+            <a:r>
+              <a:rPr lang="en-US" dirty="0">
+                <a:solidFill>
+                  <a:srgbClr val="000000"/>
+                </a:solidFill>
+              </a:rPr>
+              <a:t>The master will distribute the movie records across all the servers connected to the net, and send queries to each one of them.</a:t>
+            </a:r>
+          </a:p>
+          <a:p>
+            <a:pPr algn="l" rtl="0">
+              <a:buFont typeface="Wingdings" panose="05000000000000000000" pitchFamily="2" charset="2"/>
+              <a:buChar char="Ø"/>
+            </a:pPr>
+            <a:r>
+              <a:rPr lang="en-US" dirty="0">
+                <a:solidFill>
+                  <a:srgbClr val="000000"/>
+                </a:solidFill>
+              </a:rPr>
+              <a:t>The query will return to the client and will be represented with additional statistics. </a:t>
+            </a:r>
+          </a:p>
+        </p:txBody>
+      </p:sp>
+      <p:pic>
+        <p:nvPicPr>
+          <p:cNvPr id="4" name="Picture 2" descr="undefined">
+            <a:extLst>
+              <a:ext uri="{FF2B5EF4-FFF2-40B4-BE49-F238E27FC236}">
+                <a16:creationId xmlns:a16="http://schemas.microsoft.com/office/drawing/2014/main" id="{39D38397-F01C-4EA8-8F42-2BA4D6B96B9D}"/>
+              </a:ext>
+            </a:extLst>
+          </p:cNvPr>
+          <p:cNvPicPr>
+            <a:picLocks noChangeAspect="1" noChangeArrowheads="1"/>
+          </p:cNvPicPr>
+          <p:nvPr/>
+        </p:nvPicPr>
+        <p:blipFill>
+          <a:blip r:embed="rId2">
+            <a:extLst>
+              <a:ext uri="{28A0092B-C50C-407E-A947-70E740481C1C}">
+                <a14:useLocalDpi xmlns:a14="http://schemas.microsoft.com/office/drawing/2010/main" val="0"/>
+              </a:ext>
+            </a:extLst>
+          </a:blip>
+          <a:srcRect/>
+          <a:stretch>
+            <a:fillRect/>
+          </a:stretch>
+        </p:blipFill>
+        <p:spPr bwMode="auto">
+          <a:xfrm>
+            <a:off x="8401050" y="1557338"/>
+            <a:ext cx="3146425" cy="4719637"/>
+          </a:xfrm>
+          <a:prstGeom prst="snip2DiagRect">
+            <a:avLst/>
+          </a:prstGeom>
+          <a:solidFill>
+            <a:srgbClr val="FFFFFF">
+              <a:shade val="85000"/>
+            </a:srgbClr>
+          </a:solidFill>
+          <a:ln w="88900" cap="sq">
+            <a:solidFill>
+              <a:schemeClr val="tx2"/>
+            </a:solidFill>
+            <a:miter lim="800000"/>
+          </a:ln>
+          <a:effectLst>
+            <a:outerShdw blurRad="88900" algn="tl" rotWithShape="0">
+              <a:srgbClr val="000000">
+                <a:alpha val="45000"/>
+              </a:srgbClr>
+            </a:outerShdw>
+          </a:effectLst>
+          <a:scene3d>
+            <a:camera prst="orthographicFront"/>
+            <a:lightRig rig="twoPt" dir="t">
+              <a:rot lat="0" lon="0" rev="7200000"/>
+            </a:lightRig>
+          </a:scene3d>
+          <a:sp3d>
+            <a:bevelT w="25400" h="19050"/>
+            <a:contourClr>
+              <a:srgbClr val="FFFFFF"/>
+            </a:contourClr>
+          </a:sp3d>
+        </p:spPr>
+      </p:pic>
+    </p:spTree>
+    <p:extLst>
+      <p:ext uri="{BB962C8B-B14F-4D97-AF65-F5344CB8AC3E}">
+        <p14:creationId xmlns:p14="http://schemas.microsoft.com/office/powerpoint/2010/main" val="3318294014"/>
+      </p:ext>
+    </p:extLst>
+  </p:cSld>
+  <p:clrMapOvr>
+    <a:masterClrMapping/>
+  </p:clrMapOvr>
+</p:sld>
+</file>
+
+<file path=ppt/slides/slide5.xml><?xml version="1.0" encoding="utf-8"?>
+<p:sld xmlns:a="http://schemas.openxmlformats.org/drawingml/2006/main" xmlns:r="http://schemas.openxmlformats.org/officeDocument/2006/relationships" xmlns:p="http://schemas.openxmlformats.org/presentationml/2006/main">
+  <p:cSld>
+    <p:spTree>
+      <p:nvGrpSpPr>
+        <p:cNvPr id="1" name=""/>
+        <p:cNvGrpSpPr/>
+        <p:nvPr/>
+      </p:nvGrpSpPr>
+      <p:grpSpPr>
+        <a:xfrm>
+          <a:off x="0" y="0"/>
+          <a:ext cx="0" cy="0"/>
+          <a:chOff x="0" y="0"/>
+          <a:chExt cx="0" cy="0"/>
+        </a:xfrm>
+      </p:grpSpPr>
+      <p:graphicFrame>
+        <p:nvGraphicFramePr>
+          <p:cNvPr id="4" name="דיאגרמה 3">
+            <a:extLst>
+              <a:ext uri="{FF2B5EF4-FFF2-40B4-BE49-F238E27FC236}">
+                <a16:creationId xmlns:a16="http://schemas.microsoft.com/office/drawing/2014/main" id="{9C1EE55D-42F8-4452-B23D-313D62F6E02D}"/>
+              </a:ext>
+            </a:extLst>
+          </p:cNvPr>
+          <p:cNvGraphicFramePr/>
+          <p:nvPr>
+            <p:extLst>
+              <p:ext uri="{D42A27DB-BD31-4B8C-83A1-F6EECF244321}">
+                <p14:modId xmlns:p14="http://schemas.microsoft.com/office/powerpoint/2010/main" val="1220794907"/>
+              </p:ext>
+            </p:extLst>
+          </p:nvPr>
+        </p:nvGraphicFramePr>
+        <p:xfrm>
+          <a:off x="1434517" y="2919368"/>
+          <a:ext cx="10066789" cy="3699545"/>
+        </p:xfrm>
+        <a:graphic>
+          <a:graphicData uri="http://schemas.openxmlformats.org/drawingml/2006/diagram">
+            <dgm:relIds xmlns:dgm="http://schemas.openxmlformats.org/drawingml/2006/diagram" xmlns:r="http://schemas.openxmlformats.org/officeDocument/2006/relationships" r:dm="rId2" r:lo="rId3" r:qs="rId4" r:cs="rId5"/>
+          </a:graphicData>
+        </a:graphic>
+      </p:graphicFrame>
+      <p:sp>
+        <p:nvSpPr>
+          <p:cNvPr id="23" name="מלבן 22">
+            <a:extLst>
+              <a:ext uri="{FF2B5EF4-FFF2-40B4-BE49-F238E27FC236}">
+                <a16:creationId xmlns:a16="http://schemas.microsoft.com/office/drawing/2014/main" id="{3AB71817-CA97-4527-81E3-D77F4EEDFA63}"/>
+              </a:ext>
+            </a:extLst>
+          </p:cNvPr>
+          <p:cNvSpPr/>
+          <p:nvPr/>
+        </p:nvSpPr>
+        <p:spPr>
+          <a:xfrm>
+            <a:off x="5176818" y="437199"/>
+            <a:ext cx="2157963" cy="923330"/>
+          </a:xfrm>
+          <a:prstGeom prst="rect">
+            <a:avLst/>
+          </a:prstGeom>
+          <a:noFill/>
+        </p:spPr>
+        <p:txBody>
+          <a:bodyPr wrap="none" lIns="91440" tIns="45720" rIns="91440" bIns="45720">
+            <a:spAutoFit/>
+          </a:bodyPr>
+          <a:lstStyle/>
+          <a:p>
+            <a:pPr algn="ctr"/>
+            <a:r>
+              <a:rPr lang="en-US" sz="5400" dirty="0">
+                <a:ln w="0"/>
+                <a:solidFill>
+                  <a:schemeClr val="accent1"/>
+                </a:solidFill>
+                <a:effectLst>
+                  <a:outerShdw blurRad="38100" dist="25400" dir="5400000" algn="ctr" rotWithShape="0">
+                    <a:srgbClr val="6E747A">
+                      <a:alpha val="43000"/>
+                    </a:srgbClr>
+                  </a:outerShdw>
+                </a:effectLst>
+                <a:latin typeface="+mj-lt"/>
+              </a:rPr>
+              <a:t>Design</a:t>
+            </a:r>
+            <a:endParaRPr lang="he-IL" sz="5400" b="0" cap="none" spc="0" dirty="0">
+              <a:ln w="0"/>
+              <a:solidFill>
+                <a:schemeClr val="accent1"/>
+              </a:solidFill>
+              <a:effectLst>
+                <a:outerShdw blurRad="38100" dist="25400" dir="5400000" algn="ctr" rotWithShape="0">
+                  <a:srgbClr val="6E747A">
+                    <a:alpha val="43000"/>
+                  </a:srgbClr>
+                </a:outerShdw>
+              </a:effectLst>
+              <a:latin typeface="+mj-lt"/>
+            </a:endParaRPr>
+          </a:p>
+        </p:txBody>
+      </p:sp>
+      <p:cxnSp>
+        <p:nvCxnSpPr>
+          <p:cNvPr id="16" name="מחבר חץ ישר 15">
+            <a:extLst>
+              <a:ext uri="{FF2B5EF4-FFF2-40B4-BE49-F238E27FC236}">
+                <a16:creationId xmlns:a16="http://schemas.microsoft.com/office/drawing/2014/main" id="{1C7F45CD-CD2B-4BFD-9682-5F41BAB907DF}"/>
+              </a:ext>
+            </a:extLst>
+          </p:cNvPr>
+          <p:cNvCxnSpPr>
+            <a:cxnSpLocks/>
+          </p:cNvCxnSpPr>
+          <p:nvPr/>
+        </p:nvCxnSpPr>
+        <p:spPr>
+          <a:xfrm flipH="1">
+            <a:off x="6954474" y="4165111"/>
+            <a:ext cx="1661020" cy="348166"/>
+          </a:xfrm>
+          <a:prstGeom prst="straightConnector1">
+            <a:avLst/>
+          </a:prstGeom>
+          <a:ln>
+            <a:headEnd type="triangle"/>
+            <a:tailEnd type="triangle"/>
+          </a:ln>
+        </p:spPr>
+        <p:style>
+          <a:lnRef idx="1">
+            <a:schemeClr val="accent1"/>
+          </a:lnRef>
+          <a:fillRef idx="0">
+            <a:schemeClr val="accent1"/>
+          </a:fillRef>
+          <a:effectRef idx="0">
+            <a:schemeClr val="accent1"/>
+          </a:effectRef>
+          <a:fontRef idx="minor">
+            <a:schemeClr val="tx1"/>
+          </a:fontRef>
+        </p:style>
+      </p:cxnSp>
+      <p:cxnSp>
+        <p:nvCxnSpPr>
+          <p:cNvPr id="19" name="מחבר חץ ישר 18">
+            <a:extLst>
+              <a:ext uri="{FF2B5EF4-FFF2-40B4-BE49-F238E27FC236}">
+                <a16:creationId xmlns:a16="http://schemas.microsoft.com/office/drawing/2014/main" id="{D6A3AC4B-F455-4DDE-9009-3DD84AE29C02}"/>
+              </a:ext>
+            </a:extLst>
+          </p:cNvPr>
+          <p:cNvCxnSpPr>
+            <a:cxnSpLocks/>
+          </p:cNvCxnSpPr>
+          <p:nvPr/>
+        </p:nvCxnSpPr>
+        <p:spPr>
+          <a:xfrm flipH="1">
+            <a:off x="6862194" y="4165111"/>
+            <a:ext cx="184558" cy="205553"/>
+          </a:xfrm>
+          <a:prstGeom prst="straightConnector1">
+            <a:avLst/>
+          </a:prstGeom>
+          <a:ln>
+            <a:headEnd type="triangle"/>
+            <a:tailEnd type="triangle"/>
+          </a:ln>
+        </p:spPr>
+        <p:style>
+          <a:lnRef idx="1">
+            <a:schemeClr val="accent1"/>
+          </a:lnRef>
+          <a:fillRef idx="0">
+            <a:schemeClr val="accent1"/>
+          </a:fillRef>
+          <a:effectRef idx="0">
+            <a:schemeClr val="accent1"/>
+          </a:effectRef>
+          <a:fontRef idx="minor">
+            <a:schemeClr val="tx1"/>
+          </a:fontRef>
+        </p:style>
+      </p:cxnSp>
+      <p:cxnSp>
+        <p:nvCxnSpPr>
+          <p:cNvPr id="21" name="מחבר חץ ישר 20">
+            <a:extLst>
+              <a:ext uri="{FF2B5EF4-FFF2-40B4-BE49-F238E27FC236}">
+                <a16:creationId xmlns:a16="http://schemas.microsoft.com/office/drawing/2014/main" id="{A3A26787-7653-45C6-8758-18642C68B257}"/>
+              </a:ext>
+            </a:extLst>
+          </p:cNvPr>
+          <p:cNvCxnSpPr>
+            <a:cxnSpLocks/>
+          </p:cNvCxnSpPr>
+          <p:nvPr/>
+        </p:nvCxnSpPr>
+        <p:spPr>
+          <a:xfrm>
+            <a:off x="3934437" y="4165111"/>
+            <a:ext cx="1476462" cy="348166"/>
+          </a:xfrm>
+          <a:prstGeom prst="straightConnector1">
+            <a:avLst/>
+          </a:prstGeom>
+          <a:ln>
+            <a:headEnd type="triangle"/>
+            <a:tailEnd type="triangle"/>
+          </a:ln>
+        </p:spPr>
+        <p:style>
+          <a:lnRef idx="1">
+            <a:schemeClr val="accent1"/>
+          </a:lnRef>
+          <a:fillRef idx="0">
+            <a:schemeClr val="accent1"/>
+          </a:fillRef>
+          <a:effectRef idx="0">
+            <a:schemeClr val="accent1"/>
+          </a:effectRef>
+          <a:fontRef idx="minor">
+            <a:schemeClr val="tx1"/>
+          </a:fontRef>
+        </p:style>
+      </p:cxnSp>
+      <p:cxnSp>
+        <p:nvCxnSpPr>
+          <p:cNvPr id="22" name="מחבר חץ ישר 21">
+            <a:extLst>
+              <a:ext uri="{FF2B5EF4-FFF2-40B4-BE49-F238E27FC236}">
+                <a16:creationId xmlns:a16="http://schemas.microsoft.com/office/drawing/2014/main" id="{910F8703-45B5-47D9-84A1-0C3D10B2010B}"/>
+              </a:ext>
+            </a:extLst>
+          </p:cNvPr>
+          <p:cNvCxnSpPr>
+            <a:cxnSpLocks/>
+          </p:cNvCxnSpPr>
+          <p:nvPr/>
+        </p:nvCxnSpPr>
+        <p:spPr>
+          <a:xfrm>
+            <a:off x="5503179" y="4135772"/>
+            <a:ext cx="192946" cy="216005"/>
+          </a:xfrm>
+          <a:prstGeom prst="straightConnector1">
+            <a:avLst/>
+          </a:prstGeom>
+          <a:ln>
+            <a:headEnd type="triangle"/>
+            <a:tailEnd type="triangle"/>
+          </a:ln>
+        </p:spPr>
+        <p:style>
+          <a:lnRef idx="1">
+            <a:schemeClr val="accent1"/>
+          </a:lnRef>
+          <a:fillRef idx="0">
+            <a:schemeClr val="accent1"/>
+          </a:fillRef>
+          <a:effectRef idx="0">
+            <a:schemeClr val="accent1"/>
+          </a:effectRef>
+          <a:fontRef idx="minor">
+            <a:schemeClr val="tx1"/>
+          </a:fontRef>
+        </p:style>
+      </p:cxnSp>
+      <p:sp>
+        <p:nvSpPr>
+          <p:cNvPr id="26" name="תיבת טקסט 25">
+            <a:extLst>
+              <a:ext uri="{FF2B5EF4-FFF2-40B4-BE49-F238E27FC236}">
+                <a16:creationId xmlns:a16="http://schemas.microsoft.com/office/drawing/2014/main" id="{CF10EDBB-EF78-496A-8D68-69F09771AD11}"/>
+              </a:ext>
+            </a:extLst>
+          </p:cNvPr>
+          <p:cNvSpPr txBox="1"/>
+          <p:nvPr/>
+        </p:nvSpPr>
+        <p:spPr>
+          <a:xfrm>
+            <a:off x="1468073" y="1360529"/>
+            <a:ext cx="9630562" cy="1754326"/>
+          </a:xfrm>
+          <a:prstGeom prst="rect">
+            <a:avLst/>
+          </a:prstGeom>
+          <a:noFill/>
+        </p:spPr>
+        <p:txBody>
+          <a:bodyPr wrap="square" rtlCol="0">
+            <a:spAutoFit/>
+          </a:bodyPr>
+          <a:lstStyle/>
+          <a:p>
+            <a:pPr marL="285750" indent="-285750" algn="l" rtl="0">
+              <a:buFont typeface="Arial" panose="020B0604020202020204" pitchFamily="34" charset="0"/>
+              <a:buChar char="•"/>
+            </a:pPr>
+            <a:r>
+              <a:rPr lang="en-US" dirty="0">
+                <a:solidFill>
+                  <a:schemeClr val="tx2"/>
+                </a:solidFill>
+              </a:rPr>
+              <a:t>Multiple client system. Each client can query the master and deliberately be answered about. The answer is represented in client’s GUI.</a:t>
+            </a:r>
+          </a:p>
+          <a:p>
+            <a:pPr marL="285750" indent="-285750" algn="l" rtl="0">
+              <a:buFont typeface="Arial" panose="020B0604020202020204" pitchFamily="34" charset="0"/>
+              <a:buChar char="•"/>
+            </a:pPr>
+            <a:r>
+              <a:rPr lang="en-US" dirty="0">
+                <a:solidFill>
+                  <a:schemeClr val="tx2"/>
+                </a:solidFill>
+              </a:rPr>
+              <a:t>Multiple server system. Each server will get an equal portion of the data, and when needed will do a procedure of map-reduce algorithm, according to the asked query (asked from client).</a:t>
+            </a:r>
+          </a:p>
+          <a:p>
+            <a:pPr marL="285750" indent="-285750" algn="l" rtl="0">
+              <a:buFont typeface="Arial" panose="020B0604020202020204" pitchFamily="34" charset="0"/>
+              <a:buChar char="•"/>
+            </a:pPr>
+            <a:r>
+              <a:rPr lang="en-US" dirty="0">
+                <a:solidFill>
+                  <a:schemeClr val="tx2"/>
+                </a:solidFill>
+              </a:rPr>
+              <a:t>One Master. The master will handle all calls from clients and server together. Each call will be handled by special process.</a:t>
+            </a:r>
+          </a:p>
+        </p:txBody>
+      </p:sp>
+    </p:spTree>
+    <p:extLst>
+      <p:ext uri="{BB962C8B-B14F-4D97-AF65-F5344CB8AC3E}">
+        <p14:creationId xmlns:p14="http://schemas.microsoft.com/office/powerpoint/2010/main" val="1880561729"/>
+      </p:ext>
+    </p:extLst>
+  </p:cSld>
+  <p:clrMapOvr>
+    <a:masterClrMapping/>
+  </p:clrMapOvr>
+</p:sld>
+</file>
+
+<file path=ppt/slides/slide6.xml><?xml version="1.0" encoding="utf-8"?>
+<p:sld xmlns:a="http://schemas.openxmlformats.org/drawingml/2006/main" xmlns:r="http://schemas.openxmlformats.org/officeDocument/2006/relationships" xmlns:p="http://schemas.openxmlformats.org/presentationml/2006/main">
+  <p:cSld>
+    <p:spTree>
+      <p:nvGrpSpPr>
+        <p:cNvPr id="1" name=""/>
+        <p:cNvGrpSpPr/>
+        <p:nvPr/>
+      </p:nvGrpSpPr>
+      <p:grpSpPr>
+        <a:xfrm>
+          <a:off x="0" y="0"/>
+          <a:ext cx="0" cy="0"/>
+          <a:chOff x="0" y="0"/>
+          <a:chExt cx="0" cy="0"/>
+        </a:xfrm>
+      </p:grpSpPr>
+      <p:sp>
+        <p:nvSpPr>
+          <p:cNvPr id="2" name="כותרת 1">
+            <a:extLst>
+              <a:ext uri="{FF2B5EF4-FFF2-40B4-BE49-F238E27FC236}">
+                <a16:creationId xmlns:a16="http://schemas.microsoft.com/office/drawing/2014/main" id="{D1585F14-A3A2-46ED-8E61-87731DAC7852}"/>
+              </a:ext>
+            </a:extLst>
+          </p:cNvPr>
+          <p:cNvSpPr>
+            <a:spLocks noGrp="1"/>
+          </p:cNvSpPr>
+          <p:nvPr>
+            <p:ph type="title"/>
+          </p:nvPr>
+        </p:nvSpPr>
+        <p:spPr/>
+        <p:txBody>
+          <a:bodyPr/>
+          <a:lstStyle/>
+          <a:p>
+            <a:pPr algn="ctr" rtl="0"/>
+            <a:r>
+              <a:rPr lang="en-US" dirty="0">
+                <a:solidFill>
+                  <a:srgbClr val="000000"/>
+                </a:solidFill>
+              </a:rPr>
+              <a:t>Implementation Problems</a:t>
+            </a:r>
+          </a:p>
+        </p:txBody>
+      </p:sp>
+      <p:sp>
+        <p:nvSpPr>
+          <p:cNvPr id="3" name="מציין מיקום תוכן 2">
+            <a:extLst>
+              <a:ext uri="{FF2B5EF4-FFF2-40B4-BE49-F238E27FC236}">
+                <a16:creationId xmlns:a16="http://schemas.microsoft.com/office/drawing/2014/main" id="{9B4B196D-B165-4358-BD95-5DDD498D522D}"/>
+              </a:ext>
+            </a:extLst>
+          </p:cNvPr>
+          <p:cNvSpPr>
+            <a:spLocks noGrp="1"/>
+          </p:cNvSpPr>
+          <p:nvPr>
+            <p:ph idx="1"/>
+          </p:nvPr>
+        </p:nvSpPr>
+        <p:spPr>
+          <a:xfrm>
+            <a:off x="3897746" y="1747261"/>
+            <a:ext cx="7598929" cy="4508064"/>
+          </a:xfrm>
+        </p:spPr>
+        <p:txBody>
+          <a:bodyPr>
+            <a:normAutofit fontScale="85000" lnSpcReduction="20000"/>
+          </a:bodyPr>
+          <a:lstStyle/>
+          <a:p>
+            <a:pPr algn="l" rtl="0">
+              <a:buFont typeface="Wingdings" panose="05000000000000000000" pitchFamily="2" charset="2"/>
+              <a:buChar char="Ø"/>
+            </a:pPr>
+            <a:r>
+              <a:rPr lang="en-US" dirty="0">
+                <a:solidFill>
+                  <a:srgbClr val="000000"/>
+                </a:solidFill>
+              </a:rPr>
+              <a:t>Master and servers can be down for any reason → </a:t>
+            </a:r>
+          </a:p>
+          <a:p>
+            <a:pPr marL="0" indent="0" algn="l" rtl="0">
+              <a:buNone/>
+            </a:pPr>
+            <a:r>
+              <a:rPr lang="en-US" dirty="0">
+                <a:solidFill>
+                  <a:srgbClr val="000000"/>
+                </a:solidFill>
+              </a:rPr>
+              <a:t>	Thus we maintain the system distributed fault-	tolerance.</a:t>
+            </a:r>
+          </a:p>
+          <a:p>
+            <a:pPr marL="0" indent="0" algn="l" rtl="0">
+              <a:buNone/>
+            </a:pPr>
+            <a:endParaRPr lang="en-US" dirty="0">
+              <a:solidFill>
+                <a:srgbClr val="000000"/>
+              </a:solidFill>
+            </a:endParaRPr>
+          </a:p>
+          <a:p>
+            <a:pPr algn="l" rtl="0">
+              <a:buFont typeface="Wingdings" panose="05000000000000000000" pitchFamily="2" charset="2"/>
+              <a:buChar char="Ø"/>
+            </a:pPr>
+            <a:r>
+              <a:rPr lang="en-US" dirty="0">
+                <a:solidFill>
+                  <a:srgbClr val="000000"/>
+                </a:solidFill>
+              </a:rPr>
+              <a:t>Vary kind of answers (different categories, etc.) →</a:t>
+            </a:r>
+          </a:p>
+          <a:p>
+            <a:pPr marL="0" indent="0" algn="l" rtl="0">
+              <a:buNone/>
+            </a:pPr>
+            <a:r>
+              <a:rPr lang="en-US" dirty="0">
+                <a:solidFill>
+                  <a:srgbClr val="000000"/>
+                </a:solidFill>
+              </a:rPr>
+              <a:t>	GUI is generic-implemented. Future updated are 	easily possible.</a:t>
+            </a:r>
+          </a:p>
+          <a:p>
+            <a:pPr marL="0" indent="0" algn="l" rtl="0">
+              <a:buNone/>
+            </a:pPr>
+            <a:endParaRPr lang="en-US" dirty="0">
+              <a:solidFill>
+                <a:srgbClr val="000000"/>
+              </a:solidFill>
+            </a:endParaRPr>
+          </a:p>
+          <a:p>
+            <a:pPr algn="l" rtl="0">
+              <a:buFont typeface="Wingdings" panose="05000000000000000000" pitchFamily="2" charset="2"/>
+              <a:buChar char="Ø"/>
+            </a:pPr>
+            <a:r>
+              <a:rPr lang="en-US" dirty="0">
+                <a:solidFill>
+                  <a:srgbClr val="000000"/>
+                </a:solidFill>
+              </a:rPr>
+              <a:t>Data distribution needs to be updated when a node is down →</a:t>
+            </a:r>
+          </a:p>
+          <a:p>
+            <a:pPr marL="0" indent="0" algn="l" rtl="0">
+              <a:buNone/>
+            </a:pPr>
+            <a:r>
+              <a:rPr lang="en-US" dirty="0">
+                <a:solidFill>
+                  <a:srgbClr val="000000"/>
+                </a:solidFill>
+              </a:rPr>
+              <a:t>	Maintaining an automatic system of	distributing the 	data, by the nodedown/nodeup messages from 	connected nodes.</a:t>
+            </a:r>
+          </a:p>
+          <a:p>
+            <a:pPr algn="l" rtl="0">
+              <a:buFont typeface="Wingdings" panose="05000000000000000000" pitchFamily="2" charset="2"/>
+              <a:buChar char="Ø"/>
+            </a:pPr>
+            <a:endParaRPr lang="en-US" dirty="0">
+              <a:solidFill>
+                <a:srgbClr val="000000"/>
+              </a:solidFill>
+            </a:endParaRPr>
+          </a:p>
+          <a:p>
+            <a:pPr algn="l" rtl="0">
+              <a:buFont typeface="Wingdings" panose="05000000000000000000" pitchFamily="2" charset="2"/>
+              <a:buChar char="Ø"/>
+            </a:pPr>
+            <a:endParaRPr lang="en-US" dirty="0">
+              <a:solidFill>
+                <a:srgbClr val="000000"/>
+              </a:solidFill>
+            </a:endParaRPr>
+          </a:p>
+        </p:txBody>
+      </p:sp>
+      <p:pic>
+        <p:nvPicPr>
+          <p:cNvPr id="7" name="Picture 2" descr="Pin di Barrington Public Library su BPL Events July 2013- June 2014 | Film  per famiglia, Film anni 90, Bei film">
+            <a:extLst>
+              <a:ext uri="{FF2B5EF4-FFF2-40B4-BE49-F238E27FC236}">
+                <a16:creationId xmlns:a16="http://schemas.microsoft.com/office/drawing/2014/main" id="{D9496187-E429-4CFA-B8D7-145DDCF81EB8}"/>
+              </a:ext>
+            </a:extLst>
+          </p:cNvPr>
+          <p:cNvPicPr>
+            <a:picLocks noChangeAspect="1" noChangeArrowheads="1"/>
+          </p:cNvPicPr>
+          <p:nvPr/>
+        </p:nvPicPr>
+        <p:blipFill>
+          <a:blip r:embed="rId2">
+            <a:extLst>
+              <a:ext uri="{28A0092B-C50C-407E-A947-70E740481C1C}">
+                <a14:useLocalDpi xmlns:a14="http://schemas.microsoft.com/office/drawing/2010/main" val="0"/>
+              </a:ext>
+            </a:extLst>
+          </a:blip>
+          <a:srcRect/>
+          <a:stretch>
+            <a:fillRect/>
+          </a:stretch>
+        </p:blipFill>
+        <p:spPr bwMode="auto">
+          <a:xfrm>
+            <a:off x="540756" y="1652948"/>
+            <a:ext cx="2996315" cy="4696691"/>
+          </a:xfrm>
+          <a:prstGeom prst="round2DiagRect">
+            <a:avLst>
+              <a:gd name="adj1" fmla="val 16667"/>
+              <a:gd name="adj2" fmla="val 0"/>
+            </a:avLst>
+          </a:prstGeom>
+          <a:ln w="88900" cap="sq">
+            <a:solidFill>
+              <a:schemeClr val="tx2"/>
+            </a:solidFill>
+            <a:miter lim="800000"/>
+          </a:ln>
+          <a:effectLst>
+            <a:outerShdw blurRad="254000" algn="tl" rotWithShape="0">
+              <a:srgbClr val="000000">
+                <a:alpha val="43000"/>
+              </a:srgbClr>
+            </a:outerShdw>
+          </a:effectLst>
+          <a:extLst>
+            <a:ext uri="{909E8E84-426E-40DD-AFC4-6F175D3DCCD1}">
+              <a14:hiddenFill xmlns:a14="http://schemas.microsoft.com/office/drawing/2010/main">
+                <a:solidFill>
+                  <a:srgbClr val="FFFFFF"/>
+                </a:solidFill>
+              </a14:hiddenFill>
+            </a:ext>
+          </a:extLst>
+        </p:spPr>
+      </p:pic>
+    </p:spTree>
+    <p:extLst>
+      <p:ext uri="{BB962C8B-B14F-4D97-AF65-F5344CB8AC3E}">
+        <p14:creationId xmlns:p14="http://schemas.microsoft.com/office/powerpoint/2010/main" val="3843654074"/>
+      </p:ext>
+    </p:extLst>
+  </p:cSld>
+  <p:clrMapOvr>
+    <a:masterClrMapping/>
+  </p:clrMapOvr>
+</p:sld>
+</file>
+
+<file path=ppt/slides/slide7.xml><?xml version="1.0" encoding="utf-8"?>
+<p:sld xmlns:a="http://schemas.openxmlformats.org/drawingml/2006/main" xmlns:r="http://schemas.openxmlformats.org/officeDocument/2006/relationships" xmlns:p="http://schemas.openxmlformats.org/presentationml/2006/main">
+  <p:cSld>
+    <p:spTree>
+      <p:nvGrpSpPr>
+        <p:cNvPr id="1" name=""/>
+        <p:cNvGrpSpPr/>
+        <p:nvPr/>
+      </p:nvGrpSpPr>
+      <p:grpSpPr>
+        <a:xfrm>
+          <a:off x="0" y="0"/>
+          <a:ext cx="0" cy="0"/>
+          <a:chOff x="0" y="0"/>
+          <a:chExt cx="0" cy="0"/>
+        </a:xfrm>
+      </p:grpSpPr>
+      <p:sp>
+        <p:nvSpPr>
+          <p:cNvPr id="2" name="כותרת 1">
+            <a:extLst>
+              <a:ext uri="{FF2B5EF4-FFF2-40B4-BE49-F238E27FC236}">
+                <a16:creationId xmlns:a16="http://schemas.microsoft.com/office/drawing/2014/main" id="{D1585F14-A3A2-46ED-8E61-87731DAC7852}"/>
+              </a:ext>
+            </a:extLst>
+          </p:cNvPr>
+          <p:cNvSpPr>
+            <a:spLocks noGrp="1"/>
+          </p:cNvSpPr>
+          <p:nvPr>
+            <p:ph type="title"/>
+          </p:nvPr>
+        </p:nvSpPr>
+        <p:spPr/>
+        <p:txBody>
+          <a:bodyPr/>
+          <a:lstStyle/>
+          <a:p>
+            <a:pPr algn="ctr" rtl="0"/>
+            <a:r>
+              <a:rPr lang="en-US" dirty="0">
+                <a:solidFill>
+                  <a:srgbClr val="000000"/>
+                </a:solidFill>
+              </a:rPr>
+              <a:t>Conclusions</a:t>
+            </a:r>
+          </a:p>
+        </p:txBody>
+      </p:sp>
+      <p:sp>
+        <p:nvSpPr>
+          <p:cNvPr id="3" name="מציין מיקום תוכן 2">
+            <a:extLst>
+              <a:ext uri="{FF2B5EF4-FFF2-40B4-BE49-F238E27FC236}">
+                <a16:creationId xmlns:a16="http://schemas.microsoft.com/office/drawing/2014/main" id="{9B4B196D-B165-4358-BD95-5DDD498D522D}"/>
+              </a:ext>
+            </a:extLst>
+          </p:cNvPr>
+          <p:cNvSpPr>
+            <a:spLocks noGrp="1"/>
+          </p:cNvSpPr>
+          <p:nvPr>
+            <p:ph idx="1"/>
+          </p:nvPr>
+        </p:nvSpPr>
+        <p:spPr>
+          <a:xfrm>
+            <a:off x="838199" y="1825624"/>
+            <a:ext cx="10126211" cy="4508064"/>
+          </a:xfrm>
+        </p:spPr>
+        <p:txBody>
+          <a:bodyPr/>
+          <a:lstStyle/>
+          <a:p>
+            <a:pPr algn="l" rtl="0"/>
+            <a:r>
+              <a:rPr lang="en-US" dirty="0">
+                <a:solidFill>
+                  <a:srgbClr val="000000"/>
+                </a:solidFill>
+              </a:rPr>
+              <a:t>Working with multiple-nodes is a complicated job, even if using gen_server template.</a:t>
+            </a:r>
+          </a:p>
+          <a:p>
+            <a:pPr algn="l" rtl="0"/>
+            <a:endParaRPr lang="en-US" dirty="0">
+              <a:solidFill>
+                <a:srgbClr val="000000"/>
+              </a:solidFill>
+            </a:endParaRPr>
+          </a:p>
+          <a:p>
+            <a:pPr algn="l" rtl="0"/>
+            <a:r>
+              <a:rPr lang="en-US" dirty="0">
+                <a:solidFill>
+                  <a:srgbClr val="000000"/>
+                </a:solidFill>
+              </a:rPr>
+              <a:t>Fault-tolerant system solves the major of the problems, letting the system dynamically adjust exceptions without stopping.</a:t>
+            </a:r>
+          </a:p>
+          <a:p>
+            <a:pPr algn="l" rtl="0"/>
+            <a:endParaRPr lang="en-US" dirty="0">
+              <a:solidFill>
+                <a:srgbClr val="000000"/>
+              </a:solidFill>
+            </a:endParaRPr>
+          </a:p>
+          <a:p>
+            <a:pPr algn="l" rtl="0"/>
+            <a:r>
+              <a:rPr lang="en-US" dirty="0">
+                <a:solidFill>
+                  <a:srgbClr val="000000"/>
+                </a:solidFill>
+              </a:rPr>
+              <a:t>Map-reduce algorithm is very effective on large data. Performance may improve as there are more servers available to work.</a:t>
+            </a:r>
+          </a:p>
+          <a:p>
+            <a:pPr algn="l" rtl="0">
+              <a:buFont typeface="Wingdings" panose="05000000000000000000" pitchFamily="2" charset="2"/>
+              <a:buChar char="Ø"/>
+            </a:pPr>
+            <a:endParaRPr lang="en-US" dirty="0">
+              <a:solidFill>
+                <a:srgbClr val="000000"/>
+              </a:solidFill>
+            </a:endParaRPr>
+          </a:p>
+        </p:txBody>
+      </p:sp>
+    </p:spTree>
+    <p:extLst>
+      <p:ext uri="{BB962C8B-B14F-4D97-AF65-F5344CB8AC3E}">
+        <p14:creationId xmlns:p14="http://schemas.microsoft.com/office/powerpoint/2010/main" val="864093404"/>
+      </p:ext>
+    </p:extLst>
+  </p:cSld>
+  <p:clrMapOvr>
+    <a:masterClrMapping/>
+  </p:clrMapOvr>
+</p:sld>
+</file>
+
+<file path=ppt/slides/slide8.xml><?xml version="1.0" encoding="utf-8"?>
+<p:sld xmlns:a="http://schemas.openxmlformats.org/drawingml/2006/main" xmlns:r="http://schemas.openxmlformats.org/officeDocument/2006/relationships" xmlns:p="http://schemas.openxmlformats.org/presentationml/2006/main">
+  <p:cSld>
+    <p:spTree>
+      <p:nvGrpSpPr>
+        <p:cNvPr id="1" name=""/>
+        <p:cNvGrpSpPr/>
+        <p:nvPr/>
+      </p:nvGrpSpPr>
+      <p:grpSpPr>
+        <a:xfrm>
+          <a:off x="0" y="0"/>
+          <a:ext cx="0" cy="0"/>
+          <a:chOff x="0" y="0"/>
+          <a:chExt cx="0" cy="0"/>
+        </a:xfrm>
+      </p:grpSpPr>
+      <p:sp>
+        <p:nvSpPr>
+          <p:cNvPr id="2" name="כותרת 1">
+            <a:extLst>
+              <a:ext uri="{FF2B5EF4-FFF2-40B4-BE49-F238E27FC236}">
+                <a16:creationId xmlns:a16="http://schemas.microsoft.com/office/drawing/2014/main" id="{D1585F14-A3A2-46ED-8E61-87731DAC7852}"/>
+              </a:ext>
+            </a:extLst>
+          </p:cNvPr>
+          <p:cNvSpPr>
+            <a:spLocks noGrp="1"/>
+          </p:cNvSpPr>
+          <p:nvPr>
+            <p:ph type="title"/>
+          </p:nvPr>
+        </p:nvSpPr>
+        <p:spPr>
+          <a:xfrm>
+            <a:off x="838200" y="365125"/>
+            <a:ext cx="10515600" cy="825255"/>
+          </a:xfrm>
+        </p:spPr>
+        <p:txBody>
+          <a:bodyPr/>
+          <a:lstStyle/>
+          <a:p>
+            <a:pPr algn="ctr" rtl="0"/>
+            <a:r>
+              <a:rPr lang="en-US" dirty="0">
+                <a:solidFill>
+                  <a:srgbClr val="000000"/>
+                </a:solidFill>
+              </a:rPr>
+              <a:t>Results</a:t>
+            </a:r>
+          </a:p>
+        </p:txBody>
+      </p:sp>
+      <p:pic>
+        <p:nvPicPr>
+          <p:cNvPr id="5" name="תמונה 4">
+            <a:extLst>
+              <a:ext uri="{FF2B5EF4-FFF2-40B4-BE49-F238E27FC236}">
+                <a16:creationId xmlns:a16="http://schemas.microsoft.com/office/drawing/2014/main" id="{9D4E487A-E232-42DA-944B-1E7B4C448471}"/>
+              </a:ext>
+            </a:extLst>
+          </p:cNvPr>
+          <p:cNvPicPr>
+            <a:picLocks noChangeAspect="1"/>
+          </p:cNvPicPr>
+          <p:nvPr/>
+        </p:nvPicPr>
+        <p:blipFill>
+          <a:blip r:embed="rId2"/>
+          <a:stretch>
+            <a:fillRect/>
+          </a:stretch>
+        </p:blipFill>
+        <p:spPr>
+          <a:xfrm>
+            <a:off x="1678692" y="1052553"/>
+            <a:ext cx="2785859" cy="5302495"/>
+          </a:xfrm>
+          <a:prstGeom prst="rect">
+            <a:avLst/>
+          </a:prstGeom>
+        </p:spPr>
+      </p:pic>
+      <p:sp>
+        <p:nvSpPr>
+          <p:cNvPr id="10" name="תיבת טקסט 9">
+            <a:extLst>
+              <a:ext uri="{FF2B5EF4-FFF2-40B4-BE49-F238E27FC236}">
+                <a16:creationId xmlns:a16="http://schemas.microsoft.com/office/drawing/2014/main" id="{DAC2540A-E43D-4D41-854C-995DD2915132}"/>
+              </a:ext>
+            </a:extLst>
+          </p:cNvPr>
+          <p:cNvSpPr txBox="1"/>
+          <p:nvPr/>
+        </p:nvSpPr>
+        <p:spPr>
+          <a:xfrm>
+            <a:off x="61730" y="2967334"/>
+            <a:ext cx="1552939" cy="923330"/>
+          </a:xfrm>
+          <a:prstGeom prst="rect">
+            <a:avLst/>
+          </a:prstGeom>
+          <a:noFill/>
+        </p:spPr>
+        <p:txBody>
+          <a:bodyPr wrap="square" rtlCol="0">
+            <a:spAutoFit/>
+          </a:bodyPr>
+          <a:lstStyle/>
+          <a:p>
+            <a:pPr algn="ctr" rtl="0"/>
+            <a:r>
+              <a:rPr lang="en-US" dirty="0">
+                <a:solidFill>
+                  <a:schemeClr val="tx2">
+                    <a:lumMod val="95000"/>
+                    <a:lumOff val="5000"/>
+                  </a:schemeClr>
+                </a:solidFill>
+              </a:rPr>
+              <a:t>Main window is the ‘Query Window’</a:t>
+            </a:r>
+          </a:p>
+        </p:txBody>
+      </p:sp>
+      <p:pic>
+        <p:nvPicPr>
+          <p:cNvPr id="12" name="תמונה 11" descr="תמונה שמכילה שולחן&#10;&#10;התיאור נוצר באופן אוטומטי">
+            <a:extLst>
+              <a:ext uri="{FF2B5EF4-FFF2-40B4-BE49-F238E27FC236}">
+                <a16:creationId xmlns:a16="http://schemas.microsoft.com/office/drawing/2014/main" id="{78CDB6D7-406B-4615-8A9E-C4BC017C9871}"/>
+              </a:ext>
+            </a:extLst>
+          </p:cNvPr>
+          <p:cNvPicPr>
+            <a:picLocks noChangeAspect="1"/>
+          </p:cNvPicPr>
+          <p:nvPr/>
+        </p:nvPicPr>
+        <p:blipFill>
+          <a:blip r:embed="rId3">
+            <a:extLst>
+              <a:ext uri="{28A0092B-C50C-407E-A947-70E740481C1C}">
+                <a14:useLocalDpi xmlns:a14="http://schemas.microsoft.com/office/drawing/2010/main" val="0"/>
+              </a:ext>
+            </a:extLst>
+          </a:blip>
+          <a:stretch>
+            <a:fillRect/>
+          </a:stretch>
+        </p:blipFill>
+        <p:spPr>
+          <a:xfrm>
+            <a:off x="7089440" y="1052553"/>
+            <a:ext cx="4642454" cy="5299605"/>
+          </a:xfrm>
+          <a:prstGeom prst="rect">
+            <a:avLst/>
+          </a:prstGeom>
+        </p:spPr>
+      </p:pic>
+      <p:cxnSp>
+        <p:nvCxnSpPr>
+          <p:cNvPr id="14" name="מחבר: מעוקל 13">
+            <a:extLst>
+              <a:ext uri="{FF2B5EF4-FFF2-40B4-BE49-F238E27FC236}">
+                <a16:creationId xmlns:a16="http://schemas.microsoft.com/office/drawing/2014/main" id="{D9B085BD-1892-426D-AFE3-0B7B7EF29B13}"/>
+              </a:ext>
+            </a:extLst>
+          </p:cNvPr>
+          <p:cNvCxnSpPr>
+            <a:cxnSpLocks/>
+          </p:cNvCxnSpPr>
+          <p:nvPr/>
+        </p:nvCxnSpPr>
+        <p:spPr>
+          <a:xfrm flipV="1">
+            <a:off x="3917659" y="4127383"/>
+            <a:ext cx="2340528" cy="1853970"/>
+          </a:xfrm>
+          <a:prstGeom prst="curvedConnector3">
+            <a:avLst>
+              <a:gd name="adj1" fmla="val 50000"/>
+            </a:avLst>
+          </a:prstGeom>
+          <a:ln w="57150">
+            <a:tailEnd type="triangle"/>
+          </a:ln>
+        </p:spPr>
+        <p:style>
+          <a:lnRef idx="1">
+            <a:schemeClr val="accent1"/>
+          </a:lnRef>
+          <a:fillRef idx="0">
+            <a:schemeClr val="accent1"/>
+          </a:fillRef>
+          <a:effectRef idx="0">
+            <a:schemeClr val="accent1"/>
+          </a:effectRef>
+          <a:fontRef idx="minor">
+            <a:schemeClr val="tx1"/>
+          </a:fontRef>
+        </p:style>
+      </p:cxnSp>
+      <p:sp>
+        <p:nvSpPr>
+          <p:cNvPr id="18" name="תיבת טקסט 17">
+            <a:extLst>
+              <a:ext uri="{FF2B5EF4-FFF2-40B4-BE49-F238E27FC236}">
+                <a16:creationId xmlns:a16="http://schemas.microsoft.com/office/drawing/2014/main" id="{124F2047-732C-46E6-B417-B8B700B749DD}"/>
+              </a:ext>
+            </a:extLst>
+          </p:cNvPr>
+          <p:cNvSpPr txBox="1"/>
+          <p:nvPr/>
+        </p:nvSpPr>
+        <p:spPr>
+          <a:xfrm>
+            <a:off x="4997456" y="2828835"/>
+            <a:ext cx="2091984" cy="1200329"/>
+          </a:xfrm>
+          <a:prstGeom prst="rect">
+            <a:avLst/>
+          </a:prstGeom>
+          <a:noFill/>
+        </p:spPr>
+        <p:txBody>
+          <a:bodyPr wrap="square" rtlCol="0">
+            <a:spAutoFit/>
+          </a:bodyPr>
+          <a:lstStyle/>
+          <a:p>
+            <a:pPr algn="ctr" rtl="0"/>
+            <a:r>
+              <a:rPr lang="en-US" dirty="0">
+                <a:solidFill>
+                  <a:schemeClr val="tx2">
+                    <a:lumMod val="95000"/>
+                    <a:lumOff val="5000"/>
+                  </a:schemeClr>
+                </a:solidFill>
+              </a:rPr>
+              <a:t>Results Window:</a:t>
+            </a:r>
+          </a:p>
+          <a:p>
+            <a:pPr algn="ctr" rtl="0"/>
+            <a:r>
+              <a:rPr lang="en-US" dirty="0">
+                <a:solidFill>
+                  <a:schemeClr val="tx2">
+                    <a:lumMod val="95000"/>
+                    <a:lumOff val="5000"/>
+                  </a:schemeClr>
+                </a:solidFill>
+              </a:rPr>
+              <a:t>Table of the answer with relevant statistics</a:t>
+            </a:r>
+          </a:p>
+        </p:txBody>
+      </p:sp>
+    </p:spTree>
+    <p:extLst>
+      <p:ext uri="{BB962C8B-B14F-4D97-AF65-F5344CB8AC3E}">
+        <p14:creationId xmlns:p14="http://schemas.microsoft.com/office/powerpoint/2010/main" val="3498095282"/>
+      </p:ext>
+    </p:extLst>
+  </p:cSld>
+  <p:clrMapOvr>
+    <a:masterClrMapping/>
+  </p:clrMapOvr>
+  <p:timing>
+    <p:tnLst>
+      <p:par>
+        <p:cTn id="1" dur="indefinite" restart="never" nodeType="tmRoot">
+          <p:childTnLst>
+            <p:seq concurrent="1" nextAc="seek">
+              <p:cTn id="2" dur="indefinite" nodeType="mainSeq">
+                <p:childTnLst>
+                  <p:par>
+                    <p:cTn id="3" fill="hold">
+                      <p:stCondLst>
+                        <p:cond delay="indefinite"/>
+                      </p:stCondLst>
+                      <p:childTnLst>
+                        <p:par>
+                          <p:cTn id="4" fill="hold">
+                            <p:stCondLst>
+                              <p:cond delay="0"/>
+                            </p:stCondLst>
+                            <p:childTnLst>
+                              <p:par>
+                                <p:cTn id="5" presetID="10" presetClass="entr" presetSubtype="0" fill="hold" grpId="0" nodeType="clickEffect">
+                                  <p:stCondLst>
+                                    <p:cond delay="0"/>
+                                  </p:stCondLst>
+                                  <p:childTnLst>
+                                    <p:set>
+                                      <p:cBhvr>
+                                        <p:cTn id="6" dur="1" fill="hold">
+                                          <p:stCondLst>
+                                            <p:cond delay="0"/>
+                                          </p:stCondLst>
+                                        </p:cTn>
+                                        <p:tgtEl>
+                                          <p:spTgt spid="10"/>
+                                        </p:tgtEl>
+                                        <p:attrNameLst>
+                                          <p:attrName>style.visibility</p:attrName>
+                                        </p:attrNameLst>
+                                      </p:cBhvr>
+                                      <p:to>
+                                        <p:strVal val="visible"/>
+                                      </p:to>
+                                    </p:set>
+                                    <p:animEffect transition="in" filter="fade">
+                                      <p:cBhvr>
+                                        <p:cTn id="7" dur="500"/>
+                                        <p:tgtEl>
+                                          <p:spTgt spid="10"/>
+                                        </p:tgtEl>
+                                      </p:cBhvr>
+                                    </p:animEffect>
+                                  </p:childTnLst>
+                                </p:cTn>
+                              </p:par>
+                              <p:par>
+                                <p:cTn id="8" presetID="10" presetClass="entr" presetSubtype="0" fill="hold" nodeType="withEffect">
+                                  <p:stCondLst>
+                                    <p:cond delay="0"/>
+                                  </p:stCondLst>
+                                  <p:childTnLst>
+                                    <p:set>
+                                      <p:cBhvr>
+                                        <p:cTn id="9" dur="1" fill="hold">
+                                          <p:stCondLst>
+                                            <p:cond delay="0"/>
+                                          </p:stCondLst>
+                                        </p:cTn>
+                                        <p:tgtEl>
+                                          <p:spTgt spid="5"/>
+                                        </p:tgtEl>
+                                        <p:attrNameLst>
+                                          <p:attrName>style.visibility</p:attrName>
+                                        </p:attrNameLst>
+                                      </p:cBhvr>
+                                      <p:to>
+                                        <p:strVal val="visible"/>
+                                      </p:to>
+                                    </p:set>
+                                    <p:animEffect transition="in" filter="fade">
+                                      <p:cBhvr>
+                                        <p:cTn id="10" dur="500"/>
+                                        <p:tgtEl>
+                                          <p:spTgt spid="5"/>
+                                        </p:tgtEl>
+                                      </p:cBhvr>
+                                    </p:animEffect>
+                                  </p:childTnLst>
+                                </p:cTn>
+                              </p:par>
+                            </p:childTnLst>
+                          </p:cTn>
+                        </p:par>
+                      </p:childTnLst>
+                    </p:cTn>
+                  </p:par>
+                  <p:par>
+                    <p:cTn id="11" fill="hold">
+                      <p:stCondLst>
+                        <p:cond delay="indefinite"/>
+                      </p:stCondLst>
+                      <p:childTnLst>
+                        <p:par>
+                          <p:cTn id="12" fill="hold">
+                            <p:stCondLst>
+                              <p:cond delay="0"/>
+                            </p:stCondLst>
+                            <p:childTnLst>
+                              <p:par>
+                                <p:cTn id="13" presetID="10" presetClass="entr" presetSubtype="0" fill="hold" nodeType="clickEffect">
+                                  <p:stCondLst>
+                                    <p:cond delay="0"/>
+                                  </p:stCondLst>
+                                  <p:childTnLst>
+                                    <p:set>
+                                      <p:cBhvr>
+                                        <p:cTn id="14" dur="1" fill="hold">
+                                          <p:stCondLst>
+                                            <p:cond delay="0"/>
+                                          </p:stCondLst>
+                                        </p:cTn>
+                                        <p:tgtEl>
+                                          <p:spTgt spid="14"/>
+                                        </p:tgtEl>
+                                        <p:attrNameLst>
+                                          <p:attrName>style.visibility</p:attrName>
+                                        </p:attrNameLst>
+                                      </p:cBhvr>
+                                      <p:to>
+                                        <p:strVal val="visible"/>
+                                      </p:to>
+                                    </p:set>
+                                    <p:animEffect transition="in" filter="fade">
+                                      <p:cBhvr>
+                                        <p:cTn id="15" dur="500"/>
+                                        <p:tgtEl>
+                                          <p:spTgt spid="14"/>
+                                        </p:tgtEl>
+                                      </p:cBhvr>
+                                    </p:animEffect>
+                                  </p:childTnLst>
+                                </p:cTn>
+                              </p:par>
+                            </p:childTnLst>
+                          </p:cTn>
+                        </p:par>
+                      </p:childTnLst>
+                    </p:cTn>
+                  </p:par>
+                  <p:par>
+                    <p:cTn id="16" fill="hold">
+                      <p:stCondLst>
+                        <p:cond delay="indefinite"/>
+                      </p:stCondLst>
+                      <p:childTnLst>
+                        <p:par>
+                          <p:cTn id="17" fill="hold">
+                            <p:stCondLst>
+                              <p:cond delay="0"/>
+                            </p:stCondLst>
+                            <p:childTnLst>
+                              <p:par>
+                                <p:cTn id="18" presetID="10" presetClass="entr" presetSubtype="0" fill="hold" grpId="0" nodeType="clickEffect">
+                                  <p:stCondLst>
+                                    <p:cond delay="0"/>
+                                  </p:stCondLst>
+                                  <p:childTnLst>
+                                    <p:set>
+                                      <p:cBhvr>
+                                        <p:cTn id="19" dur="1" fill="hold">
+                                          <p:stCondLst>
+                                            <p:cond delay="0"/>
+                                          </p:stCondLst>
+                                        </p:cTn>
+                                        <p:tgtEl>
+                                          <p:spTgt spid="18"/>
+                                        </p:tgtEl>
+                                        <p:attrNameLst>
+                                          <p:attrName>style.visibility</p:attrName>
+                                        </p:attrNameLst>
+                                      </p:cBhvr>
+                                      <p:to>
+                                        <p:strVal val="visible"/>
+                                      </p:to>
+                                    </p:set>
+                                    <p:animEffect transition="in" filter="fade">
+                                      <p:cBhvr>
+                                        <p:cTn id="20" dur="500"/>
+                                        <p:tgtEl>
+                                          <p:spTgt spid="18"/>
+                                        </p:tgtEl>
+                                      </p:cBhvr>
+                                    </p:animEffect>
+                                  </p:childTnLst>
+                                </p:cTn>
+                              </p:par>
+                              <p:par>
+                                <p:cTn id="21" presetID="10" presetClass="entr" presetSubtype="0" fill="hold" nodeType="withEffect">
+                                  <p:stCondLst>
+                                    <p:cond delay="0"/>
+                                  </p:stCondLst>
+                                  <p:childTnLst>
+                                    <p:set>
+                                      <p:cBhvr>
+                                        <p:cTn id="22" dur="1" fill="hold">
+                                          <p:stCondLst>
+                                            <p:cond delay="0"/>
+                                          </p:stCondLst>
+                                        </p:cTn>
+                                        <p:tgtEl>
+                                          <p:spTgt spid="12"/>
+                                        </p:tgtEl>
+                                        <p:attrNameLst>
+                                          <p:attrName>style.visibility</p:attrName>
+                                        </p:attrNameLst>
+                                      </p:cBhvr>
+                                      <p:to>
+                                        <p:strVal val="visible"/>
+                                      </p:to>
+                                    </p:set>
+                                    <p:animEffect transition="in" filter="fade">
+                                      <p:cBhvr>
+                                        <p:cTn id="23" dur="500"/>
+                                        <p:tgtEl>
+                                          <p:spTgt spid="12"/>
+                                        </p:tgtEl>
+                                      </p:cBhvr>
+                                    </p:animEffect>
+                                  </p:childTnLst>
+                                </p:cTn>
+                              </p:par>
+                            </p:childTnLst>
+                          </p:cTn>
+                        </p:par>
+                      </p:childTnLst>
+                    </p:cTn>
+                  </p:par>
+                </p:childTnLst>
+              </p:cTn>
+              <p:prevCondLst>
+                <p:cond evt="onPrev" delay="0">
+                  <p:tgtEl>
+                    <p:sldTgt/>
+                  </p:tgtEl>
+                </p:cond>
+              </p:prevCondLst>
+              <p:nextCondLst>
+                <p:cond evt="onNext" delay="0">
+                  <p:tgtEl>
+                    <p:sldTgt/>
+                  </p:tgtEl>
+                </p:cond>
+              </p:nextCondLst>
+            </p:seq>
+          </p:childTnLst>
+        </p:cTn>
+      </p:par>
+    </p:tnLst>
+    <p:bldLst>
+      <p:bldP spid="10" grpId="0"/>
+      <p:bldP spid="18" grpId="0"/>
+    </p:bldLst>
+  </p:timing>
+</p:sld>
+</file>
+
+<file path=ppt/slides/slide9.xml><?xml version="1.0" encoding="utf-8"?>
+<p:sld xmlns:a="http://schemas.openxmlformats.org/drawingml/2006/main" xmlns:r="http://schemas.openxmlformats.org/officeDocument/2006/relationships" xmlns:p="http://schemas.openxmlformats.org/presentationml/2006/main">
+  <p:cSld>
+    <p:spTree>
+      <p:nvGrpSpPr>
+        <p:cNvPr id="1" name=""/>
+        <p:cNvGrpSpPr/>
+        <p:nvPr/>
+      </p:nvGrpSpPr>
+      <p:grpSpPr>
+        <a:xfrm>
+          <a:off x="0" y="0"/>
+          <a:ext cx="0" cy="0"/>
+          <a:chOff x="0" y="0"/>
+          <a:chExt cx="0" cy="0"/>
+        </a:xfrm>
+      </p:grpSpPr>
+      <p:sp>
+        <p:nvSpPr>
+          <p:cNvPr id="2" name="כותרת 1">
+            <a:extLst>
+              <a:ext uri="{FF2B5EF4-FFF2-40B4-BE49-F238E27FC236}">
+                <a16:creationId xmlns:a16="http://schemas.microsoft.com/office/drawing/2014/main" id="{D1585F14-A3A2-46ED-8E61-87731DAC7852}"/>
+              </a:ext>
+            </a:extLst>
+          </p:cNvPr>
+          <p:cNvSpPr>
+            <a:spLocks noGrp="1"/>
+          </p:cNvSpPr>
+          <p:nvPr>
+            <p:ph type="title"/>
+          </p:nvPr>
+        </p:nvSpPr>
+        <p:spPr>
+          <a:xfrm>
+            <a:off x="838200" y="365125"/>
+            <a:ext cx="10515600" cy="825255"/>
+          </a:xfrm>
+        </p:spPr>
+        <p:txBody>
+          <a:bodyPr/>
+          <a:lstStyle/>
+          <a:p>
+            <a:pPr algn="ctr" rtl="0"/>
+            <a:r>
+              <a:rPr lang="en-US" dirty="0">
+                <a:solidFill>
+                  <a:srgbClr val="000000"/>
+                </a:solidFill>
+              </a:rPr>
+              <a:t>Handling Exceptions</a:t>
+            </a:r>
+          </a:p>
+        </p:txBody>
+      </p:sp>
+    </p:spTree>
+    <p:extLst>
+      <p:ext uri="{BB962C8B-B14F-4D97-AF65-F5344CB8AC3E}">
+        <p14:creationId xmlns:p14="http://schemas.microsoft.com/office/powerpoint/2010/main" val="2907638859"/>
+      </p:ext>
+    </p:extLst>
+  </p:cSld>
+  <p:clrMapOvr>
+    <a:masterClrMapping/>
+  </p:clrMapOvr>
+</p:sld>
+</file>
+
 <file path=ppt/theme/theme1.xml><?xml version="1.0" encoding="utf-8"?>
 <a:theme xmlns:a="http://schemas.openxmlformats.org/drawingml/2006/main" name="ערכת נושא Office">
   <a:themeElements>

--- a/doc/final.pptx
+++ b/doc/final.pptx
@@ -8525,8 +8525,8 @@
         </p:nvSpPr>
         <p:spPr>
           <a:xfrm>
-            <a:off x="220387" y="1405376"/>
-            <a:ext cx="7759832" cy="4832092"/>
+            <a:off x="220386" y="1405376"/>
+            <a:ext cx="7963673" cy="5693866"/>
           </a:xfrm>
           <a:prstGeom prst="rect">
             <a:avLst/>
@@ -8810,27 +8810,8 @@
                   </a:schemeClr>
                 </a:solidFill>
               </a:rPr>
-              <a:t>Run the </a:t>
-            </a:r>
-            <a:r>
-              <a:rPr lang="en-US" sz="1400" b="1">
-                <a:solidFill>
-                  <a:schemeClr val="tx2">
-                    <a:lumMod val="95000"/>
-                    <a:lumOff val="5000"/>
-                  </a:schemeClr>
-                </a:solidFill>
-              </a:rPr>
-              <a:t>system </a:t>
-            </a:r>
-            <a:endParaRPr lang="en-US" sz="1400" b="1" dirty="0">
-              <a:solidFill>
-                <a:schemeClr val="tx2">
-                  <a:lumMod val="95000"/>
-                  <a:lumOff val="5000"/>
-                </a:schemeClr>
-              </a:solidFill>
-            </a:endParaRPr>
+              <a:t>Run the system </a:t>
+            </a:r>
           </a:p>
           <a:p>
             <a:pPr lvl="2" algn="l" rtl="0"/>
@@ -8948,24 +8929,16 @@
                   </a:schemeClr>
                 </a:solidFill>
               </a:rPr>
-              <a:t>&gt; erl –name client# -run wxclient start</a:t>
-            </a:r>
-            <a:endParaRPr lang="en-US" sz="1400" u="sng" dirty="0">
-              <a:solidFill>
-                <a:schemeClr val="tx2">
-                  <a:lumMod val="95000"/>
-                  <a:lumOff val="5000"/>
-                </a:schemeClr>
-              </a:solidFill>
-            </a:endParaRPr>
+              <a:t>&gt; erl –name client# -run wxclient start	</a:t>
+            </a:r>
           </a:p>
           <a:p>
             <a:pPr lvl="2" algn="l" rtl="0"/>
             <a:endParaRPr lang="en-US" sz="1400" u="sng" dirty="0">
               <a:solidFill>
                 <a:schemeClr val="tx2">
-                  <a:lumMod val="95000"/>
-                  <a:lumOff val="5000"/>
+                  <a:lumMod val="50000"/>
+                  <a:lumOff val="50000"/>
                 </a:schemeClr>
               </a:solidFill>
             </a:endParaRPr>
@@ -9005,6 +8978,86 @@
               </a:rPr>
               <a:t>&gt; erl –name master –run master start_link</a:t>
             </a:r>
+          </a:p>
+          <a:p>
+            <a:pPr lvl="2" algn="l" rtl="0"/>
+            <a:endParaRPr lang="en-US" sz="1400" u="sng" dirty="0">
+              <a:solidFill>
+                <a:schemeClr val="tx2">
+                  <a:lumMod val="50000"/>
+                  <a:lumOff val="50000"/>
+                </a:schemeClr>
+              </a:solidFill>
+            </a:endParaRPr>
+          </a:p>
+          <a:p>
+            <a:pPr lvl="2" algn="l" rtl="0"/>
+            <a:r>
+              <a:rPr lang="en-US" sz="1400" dirty="0">
+                <a:solidFill>
+                  <a:schemeClr val="tx2">
+                    <a:lumMod val="50000"/>
+                    <a:lumOff val="50000"/>
+                  </a:schemeClr>
+                </a:solidFill>
+              </a:rPr>
+              <a:t>*for client you may need to open shell “erl –</a:t>
+            </a:r>
+            <a:r>
+              <a:rPr lang="en-US" sz="1400" dirty="0" err="1">
+                <a:solidFill>
+                  <a:schemeClr val="tx2">
+                    <a:lumMod val="50000"/>
+                    <a:lumOff val="50000"/>
+                  </a:schemeClr>
+                </a:solidFill>
+              </a:rPr>
+              <a:t>sname</a:t>
+            </a:r>
+            <a:r>
+              <a:rPr lang="en-US" sz="1400" dirty="0">
+                <a:solidFill>
+                  <a:schemeClr val="tx2">
+                    <a:lumMod val="50000"/>
+                    <a:lumOff val="50000"/>
+                  </a:schemeClr>
+                </a:solidFill>
+              </a:rPr>
+              <a:t> client”, and write “</a:t>
+            </a:r>
+            <a:r>
+              <a:rPr lang="en-US" sz="1400" dirty="0" err="1">
+                <a:solidFill>
+                  <a:schemeClr val="tx2">
+                    <a:lumMod val="50000"/>
+                    <a:lumOff val="50000"/>
+                  </a:schemeClr>
+                </a:solidFill>
+              </a:rPr>
+              <a:t>wxclient:start</a:t>
+            </a:r>
+            <a:r>
+              <a:rPr lang="en-US" sz="1400">
+                <a:solidFill>
+                  <a:schemeClr val="tx2">
+                    <a:lumMod val="50000"/>
+                    <a:lumOff val="50000"/>
+                  </a:schemeClr>
+                </a:solidFill>
+              </a:rPr>
+              <a:t>()”</a:t>
+            </a:r>
+            <a:endParaRPr lang="en-US" sz="1400" u="sng" dirty="0">
+              <a:solidFill>
+                <a:schemeClr val="tx2">
+                  <a:lumMod val="95000"/>
+                  <a:lumOff val="5000"/>
+                </a:schemeClr>
+              </a:solidFill>
+            </a:endParaRPr>
+          </a:p>
+          <a:p>
+            <a:pPr lvl="2" algn="l" rtl="0"/>
             <a:endParaRPr lang="en-US" sz="1400" u="sng" dirty="0">
               <a:solidFill>
                 <a:schemeClr val="tx2">

--- a/doc/final.pptx
+++ b/doc/final.pptx
@@ -9037,7 +9037,7 @@
               <a:t>wxclient:start</a:t>
             </a:r>
             <a:r>
-              <a:rPr lang="en-US" sz="1400">
+              <a:rPr lang="en-US" sz="1400" dirty="0">
                 <a:solidFill>
                   <a:schemeClr val="tx2">
                     <a:lumMod val="50000"/>
@@ -11387,7 +11387,182 @@
                   <a:srgbClr val="000000"/>
                 </a:solidFill>
               </a:rPr>
-              <a:t>Handling Exceptions</a:t>
+              <a:t>Results</a:t>
+            </a:r>
+          </a:p>
+        </p:txBody>
+      </p:sp>
+      <p:pic>
+        <p:nvPicPr>
+          <p:cNvPr id="11" name="תמונה 10">
+            <a:extLst>
+              <a:ext uri="{FF2B5EF4-FFF2-40B4-BE49-F238E27FC236}">
+                <a16:creationId xmlns:a16="http://schemas.microsoft.com/office/drawing/2014/main" id="{C935D950-A542-4D3B-841C-24987D4A4FBC}"/>
+              </a:ext>
+            </a:extLst>
+          </p:cNvPr>
+          <p:cNvPicPr>
+            <a:picLocks noChangeAspect="1"/>
+          </p:cNvPicPr>
+          <p:nvPr/>
+        </p:nvPicPr>
+        <p:blipFill>
+          <a:blip r:embed="rId2">
+            <a:extLst>
+              <a:ext uri="{28A0092B-C50C-407E-A947-70E740481C1C}">
+                <a14:useLocalDpi xmlns:a14="http://schemas.microsoft.com/office/drawing/2010/main" val="0"/>
+              </a:ext>
+            </a:extLst>
+          </a:blip>
+          <a:stretch>
+            <a:fillRect/>
+          </a:stretch>
+        </p:blipFill>
+        <p:spPr>
+          <a:xfrm>
+            <a:off x="6495305" y="1375410"/>
+            <a:ext cx="5296327" cy="3242772"/>
+          </a:xfrm>
+          <a:prstGeom prst="rect">
+            <a:avLst/>
+          </a:prstGeom>
+        </p:spPr>
+      </p:pic>
+      <p:pic>
+        <p:nvPicPr>
+          <p:cNvPr id="13" name="תמונה 12">
+            <a:extLst>
+              <a:ext uri="{FF2B5EF4-FFF2-40B4-BE49-F238E27FC236}">
+                <a16:creationId xmlns:a16="http://schemas.microsoft.com/office/drawing/2014/main" id="{0A57163C-4BBA-4C94-96DB-B79689653C37}"/>
+              </a:ext>
+            </a:extLst>
+          </p:cNvPr>
+          <p:cNvPicPr>
+            <a:picLocks noChangeAspect="1"/>
+          </p:cNvPicPr>
+          <p:nvPr/>
+        </p:nvPicPr>
+        <p:blipFill>
+          <a:blip r:embed="rId3">
+            <a:extLst>
+              <a:ext uri="{28A0092B-C50C-407E-A947-70E740481C1C}">
+                <a14:useLocalDpi xmlns:a14="http://schemas.microsoft.com/office/drawing/2010/main" val="0"/>
+              </a:ext>
+            </a:extLst>
+          </a:blip>
+          <a:srcRect/>
+          <a:stretch/>
+        </p:blipFill>
+        <p:spPr bwMode="auto">
+          <a:xfrm>
+            <a:off x="840753" y="1375410"/>
+            <a:ext cx="5319603" cy="3242772"/>
+          </a:xfrm>
+          <a:prstGeom prst="rect">
+            <a:avLst/>
+          </a:prstGeom>
+          <a:ln>
+            <a:noFill/>
+          </a:ln>
+          <a:extLst>
+            <a:ext uri="{53640926-AAD7-44D8-BBD7-CCE9431645EC}">
+              <a14:shadowObscured xmlns:a14="http://schemas.microsoft.com/office/drawing/2010/main"/>
+            </a:ext>
+          </a:extLst>
+        </p:spPr>
+      </p:pic>
+      <p:sp>
+        <p:nvSpPr>
+          <p:cNvPr id="3" name="תיבת טקסט 2">
+            <a:extLst>
+              <a:ext uri="{FF2B5EF4-FFF2-40B4-BE49-F238E27FC236}">
+                <a16:creationId xmlns:a16="http://schemas.microsoft.com/office/drawing/2014/main" id="{9CF0596E-E189-441B-B297-D52819AE1521}"/>
+              </a:ext>
+            </a:extLst>
+          </p:cNvPr>
+          <p:cNvSpPr txBox="1"/>
+          <p:nvPr/>
+        </p:nvSpPr>
+        <p:spPr>
+          <a:xfrm>
+            <a:off x="1089892" y="4784436"/>
+            <a:ext cx="10012218" cy="1477328"/>
+          </a:xfrm>
+          <a:prstGeom prst="rect">
+            <a:avLst/>
+          </a:prstGeom>
+          <a:noFill/>
+        </p:spPr>
+        <p:txBody>
+          <a:bodyPr wrap="square" rtlCol="0">
+            <a:spAutoFit/>
+          </a:bodyPr>
+          <a:lstStyle/>
+          <a:p>
+            <a:pPr algn="l" rtl="0"/>
+            <a:r>
+              <a:rPr lang="en-US" dirty="0">
+                <a:solidFill>
+                  <a:schemeClr val="tx2">
+                    <a:lumMod val="95000"/>
+                    <a:lumOff val="5000"/>
+                  </a:schemeClr>
+                </a:solidFill>
+              </a:rPr>
+              <a:t>1 server has evaluation time of 7.5 seconds		5 servers has evaluation time of 3.7 seconds</a:t>
+            </a:r>
+          </a:p>
+          <a:p>
+            <a:pPr algn="l" rtl="0"/>
+            <a:endParaRPr lang="en-US" dirty="0">
+              <a:solidFill>
+                <a:schemeClr val="tx2">
+                  <a:lumMod val="95000"/>
+                  <a:lumOff val="5000"/>
+                </a:schemeClr>
+              </a:solidFill>
+            </a:endParaRPr>
+          </a:p>
+          <a:p>
+            <a:pPr algn="l" rtl="0"/>
+            <a:endParaRPr lang="en-US" dirty="0">
+              <a:solidFill>
+                <a:schemeClr val="tx2">
+                  <a:lumMod val="95000"/>
+                  <a:lumOff val="5000"/>
+                </a:schemeClr>
+              </a:solidFill>
+            </a:endParaRPr>
+          </a:p>
+          <a:p>
+            <a:pPr marL="1657350" lvl="3" indent="-285750" algn="l" rtl="0">
+              <a:buFont typeface="Wingdings" panose="05000000000000000000" pitchFamily="2" charset="2"/>
+              <a:buChar char="v"/>
+            </a:pPr>
+            <a:r>
+              <a:rPr lang="en-US" dirty="0">
+                <a:solidFill>
+                  <a:schemeClr val="tx2">
+                    <a:lumMod val="95000"/>
+                    <a:lumOff val="5000"/>
+                  </a:schemeClr>
+                </a:solidFill>
+              </a:rPr>
+              <a:t>	We can conclude that distributed programming has a direct connection to </a:t>
+            </a:r>
+          </a:p>
+          <a:p>
+            <a:pPr algn="l" rtl="0"/>
+            <a:r>
+              <a:rPr lang="en-US" dirty="0">
+                <a:solidFill>
+                  <a:schemeClr val="tx2">
+                    <a:lumMod val="95000"/>
+                    <a:lumOff val="5000"/>
+                  </a:schemeClr>
+                </a:solidFill>
+              </a:rPr>
+              <a:t>		The efficiency and runtime of the program.</a:t>
             </a:r>
           </a:p>
         </p:txBody>

--- a/doc/final.pptx
+++ b/doc/final.pptx
@@ -4878,7 +4878,7 @@
           <a:p>
             <a:fld id="{2B23621A-2FE9-43C6-8AC7-55ED850B073F}" type="datetimeFigureOut">
               <a:rPr lang="he-IL" smtClean="0"/>
-              <a:t>י"ט/תשרי/תשפ"א</a:t>
+              <a:t>כ'/תשרי/תשפ"א</a:t>
             </a:fld>
             <a:endParaRPr lang="he-IL"/>
           </a:p>
@@ -5076,7 +5076,7 @@
           <a:p>
             <a:fld id="{2B23621A-2FE9-43C6-8AC7-55ED850B073F}" type="datetimeFigureOut">
               <a:rPr lang="he-IL" smtClean="0"/>
-              <a:t>י"ט/תשרי/תשפ"א</a:t>
+              <a:t>כ'/תשרי/תשפ"א</a:t>
             </a:fld>
             <a:endParaRPr lang="he-IL"/>
           </a:p>
@@ -5284,7 +5284,7 @@
           <a:p>
             <a:fld id="{2B23621A-2FE9-43C6-8AC7-55ED850B073F}" type="datetimeFigureOut">
               <a:rPr lang="he-IL" smtClean="0"/>
-              <a:t>י"ט/תשרי/תשפ"א</a:t>
+              <a:t>כ'/תשרי/תשפ"א</a:t>
             </a:fld>
             <a:endParaRPr lang="he-IL"/>
           </a:p>
@@ -5482,7 +5482,7 @@
           <a:p>
             <a:fld id="{2B23621A-2FE9-43C6-8AC7-55ED850B073F}" type="datetimeFigureOut">
               <a:rPr lang="he-IL" smtClean="0"/>
-              <a:t>י"ט/תשרי/תשפ"א</a:t>
+              <a:t>כ'/תשרי/תשפ"א</a:t>
             </a:fld>
             <a:endParaRPr lang="he-IL"/>
           </a:p>
@@ -5757,7 +5757,7 @@
           <a:p>
             <a:fld id="{2B23621A-2FE9-43C6-8AC7-55ED850B073F}" type="datetimeFigureOut">
               <a:rPr lang="he-IL" smtClean="0"/>
-              <a:t>י"ט/תשרי/תשפ"א</a:t>
+              <a:t>כ'/תשרי/תשפ"א</a:t>
             </a:fld>
             <a:endParaRPr lang="he-IL"/>
           </a:p>
@@ -6022,7 +6022,7 @@
           <a:p>
             <a:fld id="{2B23621A-2FE9-43C6-8AC7-55ED850B073F}" type="datetimeFigureOut">
               <a:rPr lang="he-IL" smtClean="0"/>
-              <a:t>י"ט/תשרי/תשפ"א</a:t>
+              <a:t>כ'/תשרי/תשפ"א</a:t>
             </a:fld>
             <a:endParaRPr lang="he-IL"/>
           </a:p>
@@ -6434,7 +6434,7 @@
           <a:p>
             <a:fld id="{2B23621A-2FE9-43C6-8AC7-55ED850B073F}" type="datetimeFigureOut">
               <a:rPr lang="he-IL" smtClean="0"/>
-              <a:t>י"ט/תשרי/תשפ"א</a:t>
+              <a:t>כ'/תשרי/תשפ"א</a:t>
             </a:fld>
             <a:endParaRPr lang="he-IL"/>
           </a:p>
@@ -6575,7 +6575,7 @@
           <a:p>
             <a:fld id="{2B23621A-2FE9-43C6-8AC7-55ED850B073F}" type="datetimeFigureOut">
               <a:rPr lang="he-IL" smtClean="0"/>
-              <a:t>י"ט/תשרי/תשפ"א</a:t>
+              <a:t>כ'/תשרי/תשפ"א</a:t>
             </a:fld>
             <a:endParaRPr lang="he-IL"/>
           </a:p>
@@ -6688,7 +6688,7 @@
           <a:p>
             <a:fld id="{2B23621A-2FE9-43C6-8AC7-55ED850B073F}" type="datetimeFigureOut">
               <a:rPr lang="he-IL" smtClean="0"/>
-              <a:t>י"ט/תשרי/תשפ"א</a:t>
+              <a:t>כ'/תשרי/תשפ"א</a:t>
             </a:fld>
             <a:endParaRPr lang="he-IL"/>
           </a:p>
@@ -6999,7 +6999,7 @@
           <a:p>
             <a:fld id="{2B23621A-2FE9-43C6-8AC7-55ED850B073F}" type="datetimeFigureOut">
               <a:rPr lang="he-IL" smtClean="0"/>
-              <a:t>י"ט/תשרי/תשפ"א</a:t>
+              <a:t>כ'/תשרי/תשפ"א</a:t>
             </a:fld>
             <a:endParaRPr lang="he-IL"/>
           </a:p>
@@ -7287,7 +7287,7 @@
           <a:p>
             <a:fld id="{2B23621A-2FE9-43C6-8AC7-55ED850B073F}" type="datetimeFigureOut">
               <a:rPr lang="he-IL" smtClean="0"/>
-              <a:t>י"ט/תשרי/תשפ"א</a:t>
+              <a:t>כ'/תשרי/תשפ"א</a:t>
             </a:fld>
             <a:endParaRPr lang="he-IL"/>
           </a:p>
@@ -7528,7 +7528,7 @@
           <a:p>
             <a:fld id="{2B23621A-2FE9-43C6-8AC7-55ED850B073F}" type="datetimeFigureOut">
               <a:rPr lang="he-IL" smtClean="0"/>
-              <a:t>י"ט/תשרי/תשפ"א</a:t>
+              <a:t>כ'/תשרי/תשפ"א</a:t>
             </a:fld>
             <a:endParaRPr lang="he-IL"/>
           </a:p>
@@ -10927,7 +10927,7 @@
       </p:sp>
       <p:pic>
         <p:nvPicPr>
-          <p:cNvPr id="12" name="תמונה 11" descr="תמונה שמכילה שולחן&#10;&#10;התיאור נוצר באופן אוטומטי">
+          <p:cNvPr id="12" name="תמונה 11">
             <a:extLst>
               <a:ext uri="{FF2B5EF4-FFF2-40B4-BE49-F238E27FC236}">
                 <a16:creationId xmlns:a16="http://schemas.microsoft.com/office/drawing/2014/main" id="{78CDB6D7-406B-4615-8A9E-C4BC017C9871}"/>
@@ -10947,14 +10947,13 @@
               </a:ext>
             </a:extLst>
           </a:blip>
-          <a:stretch>
-            <a:fillRect/>
-          </a:stretch>
+          <a:srcRect/>
+          <a:stretch/>
         </p:blipFill>
         <p:spPr>
           <a:xfrm>
-            <a:off x="7089440" y="1052553"/>
-            <a:ext cx="4642454" cy="5299605"/>
+            <a:off x="7174167" y="1052553"/>
+            <a:ext cx="4473000" cy="5299605"/>
           </a:xfrm>
           <a:prstGeom prst="rect">
             <a:avLst/>
@@ -11414,14 +11413,13 @@
               </a:ext>
             </a:extLst>
           </a:blip>
-          <a:stretch>
-            <a:fillRect/>
-          </a:stretch>
+          <a:srcRect/>
+          <a:stretch/>
         </p:blipFill>
         <p:spPr>
           <a:xfrm>
-            <a:off x="6495305" y="1375410"/>
-            <a:ext cx="5296327" cy="3242772"/>
+            <a:off x="6495305" y="1377139"/>
+            <a:ext cx="5296327" cy="3239314"/>
           </a:xfrm>
           <a:prstGeom prst="rect">
             <a:avLst/>
@@ -11455,8 +11453,8 @@
         </p:blipFill>
         <p:spPr bwMode="auto">
           <a:xfrm>
-            <a:off x="840753" y="1375410"/>
-            <a:ext cx="5319603" cy="3242772"/>
+            <a:off x="840753" y="1378216"/>
+            <a:ext cx="5319603" cy="3237160"/>
           </a:xfrm>
           <a:prstGeom prst="rect">
             <a:avLst/>

--- a/doc/final.pptx
+++ b/doc/final.pptx
@@ -4878,7 +4878,7 @@
           <a:p>
             <a:fld id="{2B23621A-2FE9-43C6-8AC7-55ED850B073F}" type="datetimeFigureOut">
               <a:rPr lang="he-IL" smtClean="0"/>
-              <a:t>כ'/תשרי/תשפ"א</a:t>
+              <a:t>כ"ב/תשרי/תשפ"א</a:t>
             </a:fld>
             <a:endParaRPr lang="he-IL"/>
           </a:p>
@@ -5076,7 +5076,7 @@
           <a:p>
             <a:fld id="{2B23621A-2FE9-43C6-8AC7-55ED850B073F}" type="datetimeFigureOut">
               <a:rPr lang="he-IL" smtClean="0"/>
-              <a:t>כ'/תשרי/תשפ"א</a:t>
+              <a:t>כ"ב/תשרי/תשפ"א</a:t>
             </a:fld>
             <a:endParaRPr lang="he-IL"/>
           </a:p>
@@ -5284,7 +5284,7 @@
           <a:p>
             <a:fld id="{2B23621A-2FE9-43C6-8AC7-55ED850B073F}" type="datetimeFigureOut">
               <a:rPr lang="he-IL" smtClean="0"/>
-              <a:t>כ'/תשרי/תשפ"א</a:t>
+              <a:t>כ"ב/תשרי/תשפ"א</a:t>
             </a:fld>
             <a:endParaRPr lang="he-IL"/>
           </a:p>
@@ -5482,7 +5482,7 @@
           <a:p>
             <a:fld id="{2B23621A-2FE9-43C6-8AC7-55ED850B073F}" type="datetimeFigureOut">
               <a:rPr lang="he-IL" smtClean="0"/>
-              <a:t>כ'/תשרי/תשפ"א</a:t>
+              <a:t>כ"ב/תשרי/תשפ"א</a:t>
             </a:fld>
             <a:endParaRPr lang="he-IL"/>
           </a:p>
@@ -5757,7 +5757,7 @@
           <a:p>
             <a:fld id="{2B23621A-2FE9-43C6-8AC7-55ED850B073F}" type="datetimeFigureOut">
               <a:rPr lang="he-IL" smtClean="0"/>
-              <a:t>כ'/תשרי/תשפ"א</a:t>
+              <a:t>כ"ב/תשרי/תשפ"א</a:t>
             </a:fld>
             <a:endParaRPr lang="he-IL"/>
           </a:p>
@@ -6022,7 +6022,7 @@
           <a:p>
             <a:fld id="{2B23621A-2FE9-43C6-8AC7-55ED850B073F}" type="datetimeFigureOut">
               <a:rPr lang="he-IL" smtClean="0"/>
-              <a:t>כ'/תשרי/תשפ"א</a:t>
+              <a:t>כ"ב/תשרי/תשפ"א</a:t>
             </a:fld>
             <a:endParaRPr lang="he-IL"/>
           </a:p>
@@ -6434,7 +6434,7 @@
           <a:p>
             <a:fld id="{2B23621A-2FE9-43C6-8AC7-55ED850B073F}" type="datetimeFigureOut">
               <a:rPr lang="he-IL" smtClean="0"/>
-              <a:t>כ'/תשרי/תשפ"א</a:t>
+              <a:t>כ"ב/תשרי/תשפ"א</a:t>
             </a:fld>
             <a:endParaRPr lang="he-IL"/>
           </a:p>
@@ -6575,7 +6575,7 @@
           <a:p>
             <a:fld id="{2B23621A-2FE9-43C6-8AC7-55ED850B073F}" type="datetimeFigureOut">
               <a:rPr lang="he-IL" smtClean="0"/>
-              <a:t>כ'/תשרי/תשפ"א</a:t>
+              <a:t>כ"ב/תשרי/תשפ"א</a:t>
             </a:fld>
             <a:endParaRPr lang="he-IL"/>
           </a:p>
@@ -6688,7 +6688,7 @@
           <a:p>
             <a:fld id="{2B23621A-2FE9-43C6-8AC7-55ED850B073F}" type="datetimeFigureOut">
               <a:rPr lang="he-IL" smtClean="0"/>
-              <a:t>כ'/תשרי/תשפ"א</a:t>
+              <a:t>כ"ב/תשרי/תשפ"א</a:t>
             </a:fld>
             <a:endParaRPr lang="he-IL"/>
           </a:p>
@@ -6999,7 +6999,7 @@
           <a:p>
             <a:fld id="{2B23621A-2FE9-43C6-8AC7-55ED850B073F}" type="datetimeFigureOut">
               <a:rPr lang="he-IL" smtClean="0"/>
-              <a:t>כ'/תשרי/תשפ"א</a:t>
+              <a:t>כ"ב/תשרי/תשפ"א</a:t>
             </a:fld>
             <a:endParaRPr lang="he-IL"/>
           </a:p>
@@ -7287,7 +7287,7 @@
           <a:p>
             <a:fld id="{2B23621A-2FE9-43C6-8AC7-55ED850B073F}" type="datetimeFigureOut">
               <a:rPr lang="he-IL" smtClean="0"/>
-              <a:t>כ'/תשרי/תשפ"א</a:t>
+              <a:t>כ"ב/תשרי/תשפ"א</a:t>
             </a:fld>
             <a:endParaRPr lang="he-IL"/>
           </a:p>
@@ -7528,7 +7528,7 @@
           <a:p>
             <a:fld id="{2B23621A-2FE9-43C6-8AC7-55ED850B073F}" type="datetimeFigureOut">
               <a:rPr lang="he-IL" smtClean="0"/>
-              <a:t>כ'/תשרי/תשפ"א</a:t>
+              <a:t>כ"ב/תשרי/תשפ"א</a:t>
             </a:fld>
             <a:endParaRPr lang="he-IL"/>
           </a:p>
@@ -8526,7 +8526,7 @@
         <p:spPr>
           <a:xfrm>
             <a:off x="220386" y="1405376"/>
-            <a:ext cx="7963673" cy="5693866"/>
+            <a:ext cx="8151827" cy="5693866"/>
           </a:xfrm>
           <a:prstGeom prst="rect">
             <a:avLst/>
@@ -8871,7 +8871,7 @@
                   </a:schemeClr>
                 </a:solidFill>
               </a:rPr>
-              <a:t>&gt; erl –name server# -run server start_link</a:t>
+              <a:t>&gt; erl -name server# -setcookie a -run server start_link</a:t>
             </a:r>
             <a:r>
               <a:rPr lang="en-US" sz="1400" dirty="0">
@@ -8929,7 +8929,7 @@
                   </a:schemeClr>
                 </a:solidFill>
               </a:rPr>
-              <a:t>&gt; erl –name client# -run wxclient start	</a:t>
+              <a:t>&gt; erl -name client# -setcookie a -run wxclient start	</a:t>
             </a:r>
           </a:p>
           <a:p>
@@ -8976,7 +8976,7 @@
                   </a:schemeClr>
                 </a:solidFill>
               </a:rPr>
-              <a:t>&gt; erl –name master –run master start_link</a:t>
+              <a:t>&gt; erl -name master -setcookie a -run master start_link</a:t>
             </a:r>
           </a:p>
           <a:p>
@@ -9001,51 +9001,7 @@
                   </a:schemeClr>
                 </a:solidFill>
               </a:rPr>
-              <a:t>*for client you may need to open shell “erl –</a:t>
-            </a:r>
-            <a:r>
-              <a:rPr lang="en-US" sz="1400" dirty="0" err="1">
-                <a:solidFill>
-                  <a:schemeClr val="tx2">
-                    <a:lumMod val="50000"/>
-                    <a:lumOff val="50000"/>
-                  </a:schemeClr>
-                </a:solidFill>
-              </a:rPr>
-              <a:t>sname</a:t>
-            </a:r>
-            <a:r>
-              <a:rPr lang="en-US" sz="1400" dirty="0">
-                <a:solidFill>
-                  <a:schemeClr val="tx2">
-                    <a:lumMod val="50000"/>
-                    <a:lumOff val="50000"/>
-                  </a:schemeClr>
-                </a:solidFill>
-              </a:rPr>
-              <a:t> client”, and write “</a:t>
-            </a:r>
-            <a:r>
-              <a:rPr lang="en-US" sz="1400" dirty="0" err="1">
-                <a:solidFill>
-                  <a:schemeClr val="tx2">
-                    <a:lumMod val="50000"/>
-                    <a:lumOff val="50000"/>
-                  </a:schemeClr>
-                </a:solidFill>
-              </a:rPr>
-              <a:t>wxclient:start</a:t>
-            </a:r>
-            <a:r>
-              <a:rPr lang="en-US" sz="1400" dirty="0">
-                <a:solidFill>
-                  <a:schemeClr val="tx2">
-                    <a:lumMod val="50000"/>
-                    <a:lumOff val="50000"/>
-                  </a:schemeClr>
-                </a:solidFill>
-              </a:rPr>
-              <a:t>()”</a:t>
+              <a:t>*for client you may need to open shell “erl -name client -setcookie a”, and write “wxclient:start()”</a:t>
             </a:r>
             <a:endParaRPr lang="en-US" sz="1400" u="sng" dirty="0">
               <a:solidFill>
